--- a/static/files/novartis-talk.pptx
+++ b/static/files/novartis-talk.pptx
@@ -5,10 +5,10 @@
     <p:sldMasterId id="2147483688" r:id="rId1"/>
   </p:sldMasterIdLst>
   <p:notesMasterIdLst>
-    <p:notesMasterId r:id="rId39"/>
+    <p:notesMasterId r:id="rId45"/>
   </p:notesMasterIdLst>
   <p:handoutMasterIdLst>
-    <p:handoutMasterId r:id="rId40"/>
+    <p:handoutMasterId r:id="rId46"/>
   </p:handoutMasterIdLst>
   <p:sldIdLst>
     <p:sldId id="276" r:id="rId2"/>
@@ -48,6 +48,12 @@
     <p:sldId id="323" r:id="rId36"/>
     <p:sldId id="324" r:id="rId37"/>
     <p:sldId id="317" r:id="rId38"/>
+    <p:sldId id="328" r:id="rId39"/>
+    <p:sldId id="329" r:id="rId40"/>
+    <p:sldId id="332" r:id="rId41"/>
+    <p:sldId id="330" r:id="rId42"/>
+    <p:sldId id="331" r:id="rId43"/>
+    <p:sldId id="333" r:id="rId44"/>
   </p:sldIdLst>
   <p:sldSz cx="9144000" cy="6858000" type="screen4x3"/>
   <p:notesSz cx="7010400" cy="9296400"/>
@@ -3180,7 +3186,7 @@
           <a:p>
             <a:fld id="{C604CD14-512E-4ED5-BC62-E538007162F6}" type="datetimeFigureOut">
               <a:rPr lang="en-US" smtClean="0"/>
-              <a:t>9/7/21</a:t>
+              <a:t>9/20/21</a:t>
             </a:fld>
             <a:endParaRPr lang="en-US"/>
           </a:p>
@@ -3346,7 +3352,7 @@
           <a:p>
             <a:fld id="{F596556E-D92C-4943-8DC9-CB9A7CAB1341}" type="datetimeFigureOut">
               <a:rPr lang="en-US" smtClean="0"/>
-              <a:t>9/7/21</a:t>
+              <a:t>9/20/21</a:t>
             </a:fld>
             <a:endParaRPr lang="en-US"/>
           </a:p>
@@ -14075,7 +14081,7 @@
           </a:effectLst>
           <a:extLst>
             <a:ext uri="{909E8E84-426E-40dd-AFC4-6F175D3DCCD1}">
-              <a14:hiddenFill xmlns="" xmlns:a14="http://schemas.microsoft.com/office/drawing/2010/main">
+              <a14:hiddenFill xmlns:a14="http://schemas.microsoft.com/office/drawing/2010/main" xmlns="">
                 <a:solidFill>
                   <a:srgbClr val="FFFFFF"/>
                 </a:solidFill>
@@ -19242,8 +19248,8 @@
           </a:p>
         </p:txBody>
       </p:sp>
-      <mc:AlternateContent xmlns:mc="http://schemas.openxmlformats.org/markup-compatibility/2006">
-        <mc:Choice xmlns:a14="http://schemas.microsoft.com/office/drawing/2010/main" Requires="a14">
+      <mc:AlternateContent xmlns:mc="http://schemas.openxmlformats.org/markup-compatibility/2006" xmlns:a14="http://schemas.microsoft.com/office/drawing/2010/main">
+        <mc:Choice Requires="a14">
           <p:sp>
             <p:nvSpPr>
               <p:cNvPr id="5" name="Subtitle 4"/>
@@ -19968,7 +19974,7 @@
             </p:txBody>
           </p:sp>
         </mc:Choice>
-        <mc:Fallback>
+        <mc:Fallback xmlns="">
           <p:sp>
             <p:nvSpPr>
               <p:cNvPr id="5" name="Subtitle 4"/>
@@ -22074,8 +22080,8 @@
           </a:p>
         </p:txBody>
       </p:sp>
-      <mc:AlternateContent xmlns:mc="http://schemas.openxmlformats.org/markup-compatibility/2006">
-        <mc:Choice xmlns:a14="http://schemas.microsoft.com/office/drawing/2010/main" Requires="a14">
+      <mc:AlternateContent xmlns:mc="http://schemas.openxmlformats.org/markup-compatibility/2006" xmlns:a14="http://schemas.microsoft.com/office/drawing/2010/main">
+        <mc:Choice Requires="a14">
           <p:sp>
             <p:nvSpPr>
               <p:cNvPr id="5" name="Subtitle 4"/>
@@ -22193,7 +22199,7 @@
             </p:txBody>
           </p:sp>
         </mc:Choice>
-        <mc:Fallback>
+        <mc:Fallback xmlns="">
           <p:sp>
             <p:nvSpPr>
               <p:cNvPr id="5" name="Subtitle 4"/>
@@ -27380,6 +27386,1591 @@
 </p:sld>
 </file>
 
+<file path=ppt/slides/slide38.xml><?xml version="1.0" encoding="utf-8"?>
+<p:sld xmlns:a="http://schemas.openxmlformats.org/drawingml/2006/main" xmlns:r="http://schemas.openxmlformats.org/officeDocument/2006/relationships" xmlns:p="http://schemas.openxmlformats.org/presentationml/2006/main">
+  <p:cSld>
+    <p:spTree>
+      <p:nvGrpSpPr>
+        <p:cNvPr id="1" name=""/>
+        <p:cNvGrpSpPr/>
+        <p:nvPr/>
+      </p:nvGrpSpPr>
+      <p:grpSpPr>
+        <a:xfrm>
+          <a:off x="0" y="0"/>
+          <a:ext cx="0" cy="0"/>
+          <a:chOff x="0" y="0"/>
+          <a:chExt cx="0" cy="0"/>
+        </a:xfrm>
+      </p:grpSpPr>
+      <p:sp>
+        <p:nvSpPr>
+          <p:cNvPr id="2" name="Title 1"/>
+          <p:cNvSpPr>
+            <a:spLocks noGrp="1"/>
+          </p:cNvSpPr>
+          <p:nvPr>
+            <p:ph type="title"/>
+          </p:nvPr>
+        </p:nvSpPr>
+        <p:spPr/>
+        <p:txBody>
+          <a:bodyPr/>
+          <a:lstStyle/>
+          <a:p>
+            <a:pPr>
+              <a:lnSpc>
+                <a:spcPct val="114000"/>
+              </a:lnSpc>
+            </a:pPr>
+            <a:r>
+              <a:rPr lang="en-US" dirty="0"/>
+              <a:t>Discussion: GLM</a:t>
+            </a:r>
+            <a:br>
+              <a:rPr lang="en-US" dirty="0"/>
+            </a:br>
+            <a:endParaRPr lang="en-US" dirty="0"/>
+          </a:p>
+        </p:txBody>
+      </p:sp>
+      <mc:AlternateContent xmlns:mc="http://schemas.openxmlformats.org/markup-compatibility/2006">
+        <mc:Choice xmlns:a14="http://schemas.microsoft.com/office/drawing/2010/main" Requires="a14">
+          <p:sp>
+            <p:nvSpPr>
+              <p:cNvPr id="5" name="Subtitle 4"/>
+              <p:cNvSpPr>
+                <a:spLocks noGrp="1"/>
+              </p:cNvSpPr>
+              <p:nvPr>
+                <p:ph sz="quarter" idx="13"/>
+              </p:nvPr>
+            </p:nvSpPr>
+            <p:spPr>
+              <a:xfrm>
+                <a:off x="533400" y="1295400"/>
+                <a:ext cx="7772400" cy="4419600"/>
+              </a:xfrm>
+            </p:spPr>
+            <p:txBody>
+              <a:bodyPr/>
+              <a:lstStyle/>
+              <a:p>
+                <a:r>
+                  <a:rPr lang="en-US" dirty="0"/>
+                  <a:t>Working model:</a:t>
+                </a:r>
+              </a:p>
+              <a:p>
+                <a:pPr marL="0" indent="0">
+                  <a:buNone/>
+                </a:pPr>
+                <a14:m>
+                  <m:oMathPara xmlns:m="http://schemas.openxmlformats.org/officeDocument/2006/math">
+                    <m:oMathParaPr>
+                      <m:jc m:val="centerGroup"/>
+                    </m:oMathParaPr>
+                    <m:oMath xmlns:m="http://schemas.openxmlformats.org/officeDocument/2006/math">
+                      <m:r>
+                        <a:rPr lang="en-US" i="1">
+                          <a:latin typeface="Cambria Math" panose="02040503050406030204" pitchFamily="18" charset="0"/>
+                        </a:rPr>
+                        <m:t>𝐸</m:t>
+                      </m:r>
+                      <m:d>
+                        <m:dPr>
+                          <m:begChr m:val="["/>
+                          <m:endChr m:val="]"/>
+                          <m:ctrlPr>
+                            <a:rPr lang="en-US" i="1">
+                              <a:latin typeface="Cambria Math" panose="02040503050406030204" pitchFamily="18" charset="0"/>
+                            </a:rPr>
+                          </m:ctrlPr>
+                        </m:dPr>
+                        <m:e>
+                          <m:r>
+                            <a:rPr lang="en-US" i="1">
+                              <a:latin typeface="Cambria Math" panose="02040503050406030204" pitchFamily="18" charset="0"/>
+                            </a:rPr>
+                            <m:t>𝑌</m:t>
+                          </m:r>
+                        </m:e>
+                        <m:e>
+                          <m:r>
+                            <a:rPr lang="en-US" i="1">
+                              <a:latin typeface="Cambria Math" panose="02040503050406030204" pitchFamily="18" charset="0"/>
+                            </a:rPr>
+                            <m:t>𝐴</m:t>
+                          </m:r>
+                          <m:r>
+                            <a:rPr lang="en-US" i="1">
+                              <a:latin typeface="Cambria Math" panose="02040503050406030204" pitchFamily="18" charset="0"/>
+                            </a:rPr>
+                            <m:t>, </m:t>
+                          </m:r>
+                          <m:r>
+                            <a:rPr lang="en-US" i="1">
+                              <a:latin typeface="Cambria Math" panose="02040503050406030204" pitchFamily="18" charset="0"/>
+                            </a:rPr>
+                            <m:t>𝑋</m:t>
+                          </m:r>
+                        </m:e>
+                      </m:d>
+                      <m:r>
+                        <a:rPr lang="en-US" i="1">
+                          <a:latin typeface="Cambria Math" panose="02040503050406030204" pitchFamily="18" charset="0"/>
+                        </a:rPr>
+                        <m:t>=</m:t>
+                      </m:r>
+                      <m:sSup>
+                        <m:sSupPr>
+                          <m:ctrlPr>
+                            <a:rPr lang="en-US" b="0" i="1" smtClean="0">
+                              <a:latin typeface="Cambria Math" panose="02040503050406030204" pitchFamily="18" charset="0"/>
+                            </a:rPr>
+                          </m:ctrlPr>
+                        </m:sSupPr>
+                        <m:e>
+                          <m:r>
+                            <a:rPr lang="en-US" b="0" i="1" smtClean="0">
+                              <a:latin typeface="Cambria Math" panose="02040503050406030204" pitchFamily="18" charset="0"/>
+                            </a:rPr>
+                            <m:t>𝑔</m:t>
+                          </m:r>
+                        </m:e>
+                        <m:sup>
+                          <m:r>
+                            <a:rPr lang="en-US" b="0" i="1" smtClean="0">
+                              <a:latin typeface="Cambria Math" panose="02040503050406030204" pitchFamily="18" charset="0"/>
+                            </a:rPr>
+                            <m:t>−1</m:t>
+                          </m:r>
+                        </m:sup>
+                      </m:sSup>
+                      <m:r>
+                        <a:rPr lang="en-US" i="1">
+                          <a:latin typeface="Cambria Math" panose="02040503050406030204" pitchFamily="18" charset="0"/>
+                        </a:rPr>
+                        <m:t>(</m:t>
+                      </m:r>
+                      <m:sSub>
+                        <m:sSubPr>
+                          <m:ctrlPr>
+                            <a:rPr lang="en-US" i="1">
+                              <a:latin typeface="Cambria Math" panose="02040503050406030204" pitchFamily="18" charset="0"/>
+                            </a:rPr>
+                          </m:ctrlPr>
+                        </m:sSubPr>
+                        <m:e>
+                          <m:r>
+                            <a:rPr lang="en-US" i="1">
+                              <a:latin typeface="Cambria Math" panose="02040503050406030204" pitchFamily="18" charset="0"/>
+                            </a:rPr>
+                            <m:t>𝛽</m:t>
+                          </m:r>
+                        </m:e>
+                        <m:sub>
+                          <m:r>
+                            <a:rPr lang="en-US" i="1">
+                              <a:latin typeface="Cambria Math" panose="02040503050406030204" pitchFamily="18" charset="0"/>
+                            </a:rPr>
+                            <m:t>0</m:t>
+                          </m:r>
+                        </m:sub>
+                      </m:sSub>
+                      <m:r>
+                        <a:rPr lang="en-US" i="1">
+                          <a:latin typeface="Cambria Math" panose="02040503050406030204" pitchFamily="18" charset="0"/>
+                        </a:rPr>
+                        <m:t>+</m:t>
+                      </m:r>
+                      <m:sSub>
+                        <m:sSubPr>
+                          <m:ctrlPr>
+                            <a:rPr lang="en-US" i="1">
+                              <a:latin typeface="Cambria Math" panose="02040503050406030204" pitchFamily="18" charset="0"/>
+                            </a:rPr>
+                          </m:ctrlPr>
+                        </m:sSubPr>
+                        <m:e>
+                          <m:r>
+                            <a:rPr lang="en-US" i="1">
+                              <a:latin typeface="Cambria Math" panose="02040503050406030204" pitchFamily="18" charset="0"/>
+                            </a:rPr>
+                            <m:t>𝛽</m:t>
+                          </m:r>
+                        </m:e>
+                        <m:sub>
+                          <m:r>
+                            <a:rPr lang="en-US" i="1">
+                              <a:latin typeface="Cambria Math" panose="02040503050406030204" pitchFamily="18" charset="0"/>
+                            </a:rPr>
+                            <m:t>𝐴</m:t>
+                          </m:r>
+                        </m:sub>
+                      </m:sSub>
+                      <m:r>
+                        <a:rPr lang="en-US" i="1">
+                          <a:latin typeface="Cambria Math" panose="02040503050406030204" pitchFamily="18" charset="0"/>
+                        </a:rPr>
+                        <m:t>𝐴</m:t>
+                      </m:r>
+                      <m:r>
+                        <a:rPr lang="en-US" i="1">
+                          <a:latin typeface="Cambria Math" panose="02040503050406030204" pitchFamily="18" charset="0"/>
+                        </a:rPr>
+                        <m:t>+</m:t>
+                      </m:r>
+                      <m:sSubSup>
+                        <m:sSubSupPr>
+                          <m:ctrlPr>
+                            <a:rPr lang="en-US" i="1">
+                              <a:latin typeface="Cambria Math" panose="02040503050406030204" pitchFamily="18" charset="0"/>
+                            </a:rPr>
+                          </m:ctrlPr>
+                        </m:sSubSupPr>
+                        <m:e>
+                          <m:r>
+                            <a:rPr lang="en-US" i="1">
+                              <a:latin typeface="Cambria Math" panose="02040503050406030204" pitchFamily="18" charset="0"/>
+                            </a:rPr>
+                            <m:t>𝛽</m:t>
+                          </m:r>
+                        </m:e>
+                        <m:sub>
+                          <m:r>
+                            <a:rPr lang="en-US" i="1">
+                              <a:latin typeface="Cambria Math" panose="02040503050406030204" pitchFamily="18" charset="0"/>
+                            </a:rPr>
+                            <m:t>𝑋</m:t>
+                          </m:r>
+                        </m:sub>
+                        <m:sup>
+                          <m:r>
+                            <a:rPr lang="en-US" i="1">
+                              <a:latin typeface="Cambria Math" panose="02040503050406030204" pitchFamily="18" charset="0"/>
+                            </a:rPr>
+                            <m:t>⊤</m:t>
+                          </m:r>
+                        </m:sup>
+                      </m:sSubSup>
+                      <m:r>
+                        <a:rPr lang="en-US" i="1">
+                          <a:latin typeface="Cambria Math" panose="02040503050406030204" pitchFamily="18" charset="0"/>
+                        </a:rPr>
+                        <m:t>𝑋</m:t>
+                      </m:r>
+                      <m:r>
+                        <a:rPr lang="en-US" i="1">
+                          <a:latin typeface="Cambria Math" panose="02040503050406030204" pitchFamily="18" charset="0"/>
+                        </a:rPr>
+                        <m:t>)</m:t>
+                      </m:r>
+                    </m:oMath>
+                  </m:oMathPara>
+                </a14:m>
+                <a:endParaRPr lang="en-US" dirty="0"/>
+              </a:p>
+              <a:p>
+                <a:r>
+                  <a:rPr lang="en-US" dirty="0" err="1"/>
+                  <a:t>Estimand</a:t>
+                </a:r>
+                <a:r>
+                  <a:rPr lang="en-US" dirty="0"/>
+                  <a:t>:</a:t>
+                </a:r>
+              </a:p>
+              <a:p>
+                <a:pPr marL="0" indent="0">
+                  <a:buNone/>
+                </a:pPr>
+                <a14:m>
+                  <m:oMathPara xmlns:m="http://schemas.openxmlformats.org/officeDocument/2006/math">
+                    <m:oMathParaPr>
+                      <m:jc m:val="centerGroup"/>
+                    </m:oMathParaPr>
+                    <m:oMath xmlns:m="http://schemas.openxmlformats.org/officeDocument/2006/math">
+                      <m:r>
+                        <m:rPr>
+                          <m:sty m:val="p"/>
+                        </m:rPr>
+                        <a:rPr lang="en-US" b="0" i="0" smtClean="0">
+                          <a:latin typeface="Cambria Math" panose="02040503050406030204" pitchFamily="18" charset="0"/>
+                        </a:rPr>
+                        <m:t>Δ</m:t>
+                      </m:r>
+                      <m:r>
+                        <a:rPr lang="en-US" b="0" i="1" smtClean="0">
+                          <a:latin typeface="Cambria Math" panose="02040503050406030204" pitchFamily="18" charset="0"/>
+                        </a:rPr>
+                        <m:t>=</m:t>
+                      </m:r>
+                      <m:r>
+                        <a:rPr lang="en-US" b="0" i="1" smtClean="0">
+                          <a:latin typeface="Cambria Math" panose="02040503050406030204" pitchFamily="18" charset="0"/>
+                        </a:rPr>
+                        <m:t>𝑓</m:t>
+                      </m:r>
+                      <m:r>
+                        <a:rPr lang="en-US" b="0" i="1" smtClean="0">
+                          <a:latin typeface="Cambria Math" panose="02040503050406030204" pitchFamily="18" charset="0"/>
+                        </a:rPr>
+                        <m:t>(</m:t>
+                      </m:r>
+                      <m:r>
+                        <a:rPr lang="en-US" b="0" i="1" smtClean="0">
+                          <a:latin typeface="Cambria Math" panose="02040503050406030204" pitchFamily="18" charset="0"/>
+                        </a:rPr>
+                        <m:t>𝐸</m:t>
+                      </m:r>
+                      <m:d>
+                        <m:dPr>
+                          <m:begChr m:val="["/>
+                          <m:endChr m:val="]"/>
+                          <m:ctrlPr>
+                            <a:rPr lang="en-US" b="0" i="1" smtClean="0">
+                              <a:latin typeface="Cambria Math" panose="02040503050406030204" pitchFamily="18" charset="0"/>
+                            </a:rPr>
+                          </m:ctrlPr>
+                        </m:dPr>
+                        <m:e>
+                          <m:r>
+                            <a:rPr lang="en-US" b="0" i="1" smtClean="0">
+                              <a:latin typeface="Cambria Math" panose="02040503050406030204" pitchFamily="18" charset="0"/>
+                            </a:rPr>
+                            <m:t>𝑌</m:t>
+                          </m:r>
+                        </m:e>
+                        <m:e>
+                          <m:r>
+                            <a:rPr lang="en-US" b="0" i="1" smtClean="0">
+                              <a:latin typeface="Cambria Math" panose="02040503050406030204" pitchFamily="18" charset="0"/>
+                            </a:rPr>
+                            <m:t>𝐴</m:t>
+                          </m:r>
+                          <m:r>
+                            <a:rPr lang="en-US" b="0" i="1" smtClean="0">
+                              <a:latin typeface="Cambria Math" panose="02040503050406030204" pitchFamily="18" charset="0"/>
+                            </a:rPr>
+                            <m:t>=1</m:t>
+                          </m:r>
+                        </m:e>
+                      </m:d>
+                      <m:r>
+                        <a:rPr lang="en-US" b="0" i="1" smtClean="0">
+                          <a:latin typeface="Cambria Math" panose="02040503050406030204" pitchFamily="18" charset="0"/>
+                        </a:rPr>
+                        <m:t>, </m:t>
+                      </m:r>
+                      <m:r>
+                        <a:rPr lang="en-US" b="0" i="1" smtClean="0">
+                          <a:latin typeface="Cambria Math" panose="02040503050406030204" pitchFamily="18" charset="0"/>
+                        </a:rPr>
+                        <m:t>𝐸</m:t>
+                      </m:r>
+                      <m:d>
+                        <m:dPr>
+                          <m:begChr m:val="["/>
+                          <m:endChr m:val="]"/>
+                          <m:ctrlPr>
+                            <a:rPr lang="en-US" b="0" i="1" smtClean="0">
+                              <a:latin typeface="Cambria Math" panose="02040503050406030204" pitchFamily="18" charset="0"/>
+                            </a:rPr>
+                          </m:ctrlPr>
+                        </m:dPr>
+                        <m:e>
+                          <m:r>
+                            <a:rPr lang="en-US" b="0" i="1" smtClean="0">
+                              <a:latin typeface="Cambria Math" panose="02040503050406030204" pitchFamily="18" charset="0"/>
+                            </a:rPr>
+                            <m:t>𝑌</m:t>
+                          </m:r>
+                        </m:e>
+                        <m:e>
+                          <m:r>
+                            <a:rPr lang="en-US" b="0" i="1" smtClean="0">
+                              <a:latin typeface="Cambria Math" panose="02040503050406030204" pitchFamily="18" charset="0"/>
+                            </a:rPr>
+                            <m:t>𝐴</m:t>
+                          </m:r>
+                          <m:r>
+                            <a:rPr lang="en-US" b="0" i="1" smtClean="0">
+                              <a:latin typeface="Cambria Math" panose="02040503050406030204" pitchFamily="18" charset="0"/>
+                            </a:rPr>
+                            <m:t>=0</m:t>
+                          </m:r>
+                        </m:e>
+                      </m:d>
+                      <m:r>
+                        <a:rPr lang="en-US" b="0" i="1" smtClean="0">
+                          <a:latin typeface="Cambria Math" panose="02040503050406030204" pitchFamily="18" charset="0"/>
+                        </a:rPr>
+                        <m:t>)</m:t>
+                      </m:r>
+                    </m:oMath>
+                  </m:oMathPara>
+                </a14:m>
+                <a:endParaRPr lang="en-US" dirty="0"/>
+              </a:p>
+              <a:p>
+                <a:r>
+                  <a:rPr lang="en-US" dirty="0"/>
+                  <a:t>Estimator for the average treatment effect:</a:t>
+                </a:r>
+              </a:p>
+              <a:p>
+                <a:pPr marL="0" indent="0" algn="ctr">
+                  <a:buNone/>
+                </a:pPr>
+                <a14:m>
+                  <m:oMath xmlns:m="http://schemas.openxmlformats.org/officeDocument/2006/math">
+                    <m:acc>
+                      <m:accPr>
+                        <m:chr m:val="̂"/>
+                        <m:ctrlPr>
+                          <a:rPr lang="en-US" i="1">
+                            <a:latin typeface="Cambria Math" panose="02040503050406030204" pitchFamily="18" charset="0"/>
+                          </a:rPr>
+                        </m:ctrlPr>
+                      </m:accPr>
+                      <m:e>
+                        <m:r>
+                          <m:rPr>
+                            <m:sty m:val="p"/>
+                          </m:rPr>
+                          <a:rPr lang="en-US">
+                            <a:latin typeface="Cambria Math" panose="02040503050406030204" pitchFamily="18" charset="0"/>
+                          </a:rPr>
+                          <m:t>Δ</m:t>
+                        </m:r>
+                      </m:e>
+                    </m:acc>
+                    <m:r>
+                      <a:rPr lang="en-US" i="1" dirty="0">
+                        <a:latin typeface="Cambria Math" panose="02040503050406030204" pitchFamily="18" charset="0"/>
+                      </a:rPr>
+                      <m:t>=</m:t>
+                    </m:r>
+                    <m:r>
+                      <a:rPr lang="en-US" b="0" i="1" dirty="0" smtClean="0">
+                        <a:latin typeface="Cambria Math" panose="02040503050406030204" pitchFamily="18" charset="0"/>
+                      </a:rPr>
+                      <m:t>𝑓</m:t>
+                    </m:r>
+                    <m:d>
+                      <m:dPr>
+                        <m:ctrlPr>
+                          <a:rPr lang="en-US" b="0" i="1" dirty="0" smtClean="0">
+                            <a:latin typeface="Cambria Math" panose="02040503050406030204" pitchFamily="18" charset="0"/>
+                          </a:rPr>
+                        </m:ctrlPr>
+                      </m:dPr>
+                      <m:e>
+                        <m:f>
+                          <m:fPr>
+                            <m:ctrlPr>
+                              <a:rPr lang="en-US" i="1" dirty="0">
+                                <a:latin typeface="Cambria Math" panose="02040503050406030204" pitchFamily="18" charset="0"/>
+                              </a:rPr>
+                            </m:ctrlPr>
+                          </m:fPr>
+                          <m:num>
+                            <m:r>
+                              <a:rPr lang="en-US" i="1" dirty="0">
+                                <a:latin typeface="Cambria Math" panose="02040503050406030204" pitchFamily="18" charset="0"/>
+                              </a:rPr>
+                              <m:t>1</m:t>
+                            </m:r>
+                          </m:num>
+                          <m:den>
+                            <m:r>
+                              <a:rPr lang="en-US" i="1" dirty="0">
+                                <a:latin typeface="Cambria Math" panose="02040503050406030204" pitchFamily="18" charset="0"/>
+                              </a:rPr>
+                              <m:t>𝑛</m:t>
+                            </m:r>
+                          </m:den>
+                        </m:f>
+                        <m:nary>
+                          <m:naryPr>
+                            <m:chr m:val="∑"/>
+                            <m:supHide m:val="on"/>
+                            <m:ctrlPr>
+                              <a:rPr lang="en-US" i="1" dirty="0">
+                                <a:latin typeface="Cambria Math" panose="02040503050406030204" pitchFamily="18" charset="0"/>
+                              </a:rPr>
+                            </m:ctrlPr>
+                          </m:naryPr>
+                          <m:sub>
+                            <m:r>
+                              <a:rPr lang="en-US" i="1" dirty="0">
+                                <a:latin typeface="Cambria Math" panose="02040503050406030204" pitchFamily="18" charset="0"/>
+                              </a:rPr>
+                              <m:t>𝑖</m:t>
+                            </m:r>
+                          </m:sub>
+                          <m:sup/>
+                          <m:e>
+                            <m:sSup>
+                              <m:sSupPr>
+                                <m:ctrlPr>
+                                  <a:rPr lang="en-US" b="0" i="1" dirty="0" smtClean="0">
+                                    <a:latin typeface="Cambria Math" panose="02040503050406030204" pitchFamily="18" charset="0"/>
+                                  </a:rPr>
+                                </m:ctrlPr>
+                              </m:sSupPr>
+                              <m:e>
+                                <m:r>
+                                  <a:rPr lang="en-US" b="0" i="1" dirty="0" smtClean="0">
+                                    <a:latin typeface="Cambria Math" panose="02040503050406030204" pitchFamily="18" charset="0"/>
+                                  </a:rPr>
+                                  <m:t>𝑔</m:t>
+                                </m:r>
+                              </m:e>
+                              <m:sup>
+                                <m:r>
+                                  <a:rPr lang="en-US" b="0" i="1" dirty="0" smtClean="0">
+                                    <a:latin typeface="Cambria Math" panose="02040503050406030204" pitchFamily="18" charset="0"/>
+                                  </a:rPr>
+                                  <m:t>−1</m:t>
+                                </m:r>
+                              </m:sup>
+                            </m:sSup>
+                            <m:d>
+                              <m:dPr>
+                                <m:ctrlPr>
+                                  <a:rPr lang="en-US" i="1" dirty="0">
+                                    <a:latin typeface="Cambria Math" panose="02040503050406030204" pitchFamily="18" charset="0"/>
+                                  </a:rPr>
+                                </m:ctrlPr>
+                              </m:dPr>
+                              <m:e>
+                                <m:sSub>
+                                  <m:sSubPr>
+                                    <m:ctrlPr>
+                                      <a:rPr lang="en-US" i="1">
+                                        <a:latin typeface="Cambria Math" panose="02040503050406030204" pitchFamily="18" charset="0"/>
+                                      </a:rPr>
+                                    </m:ctrlPr>
+                                  </m:sSubPr>
+                                  <m:e>
+                                    <m:r>
+                                      <a:rPr lang="en-US" i="1">
+                                        <a:latin typeface="Cambria Math" panose="02040503050406030204" pitchFamily="18" charset="0"/>
+                                      </a:rPr>
+                                      <m:t> </m:t>
+                                    </m:r>
+                                    <m:acc>
+                                      <m:accPr>
+                                        <m:chr m:val="̂"/>
+                                        <m:ctrlPr>
+                                          <a:rPr lang="en-US" i="1">
+                                            <a:latin typeface="Cambria Math" panose="02040503050406030204" pitchFamily="18" charset="0"/>
+                                          </a:rPr>
+                                        </m:ctrlPr>
+                                      </m:accPr>
+                                      <m:e>
+                                        <m:r>
+                                          <a:rPr lang="en-US" i="1">
+                                            <a:latin typeface="Cambria Math" panose="02040503050406030204" pitchFamily="18" charset="0"/>
+                                          </a:rPr>
+                                          <m:t>𝛽</m:t>
+                                        </m:r>
+                                      </m:e>
+                                    </m:acc>
+                                  </m:e>
+                                  <m:sub>
+                                    <m:r>
+                                      <a:rPr lang="en-US" i="1">
+                                        <a:latin typeface="Cambria Math" panose="02040503050406030204" pitchFamily="18" charset="0"/>
+                                      </a:rPr>
+                                      <m:t>0</m:t>
+                                    </m:r>
+                                  </m:sub>
+                                </m:sSub>
+                                <m:r>
+                                  <a:rPr lang="en-US" i="1">
+                                    <a:latin typeface="Cambria Math" panose="02040503050406030204" pitchFamily="18" charset="0"/>
+                                  </a:rPr>
+                                  <m:t>+</m:t>
+                                </m:r>
+                                <m:sSub>
+                                  <m:sSubPr>
+                                    <m:ctrlPr>
+                                      <a:rPr lang="en-US" i="1">
+                                        <a:latin typeface="Cambria Math" panose="02040503050406030204" pitchFamily="18" charset="0"/>
+                                      </a:rPr>
+                                    </m:ctrlPr>
+                                  </m:sSubPr>
+                                  <m:e>
+                                    <m:acc>
+                                      <m:accPr>
+                                        <m:chr m:val="̂"/>
+                                        <m:ctrlPr>
+                                          <a:rPr lang="en-US" i="1">
+                                            <a:latin typeface="Cambria Math" panose="02040503050406030204" pitchFamily="18" charset="0"/>
+                                          </a:rPr>
+                                        </m:ctrlPr>
+                                      </m:accPr>
+                                      <m:e>
+                                        <m:r>
+                                          <a:rPr lang="en-US" i="1">
+                                            <a:latin typeface="Cambria Math" panose="02040503050406030204" pitchFamily="18" charset="0"/>
+                                          </a:rPr>
+                                          <m:t>𝛽</m:t>
+                                        </m:r>
+                                      </m:e>
+                                    </m:acc>
+                                  </m:e>
+                                  <m:sub>
+                                    <m:r>
+                                      <a:rPr lang="en-US" i="1">
+                                        <a:latin typeface="Cambria Math" panose="02040503050406030204" pitchFamily="18" charset="0"/>
+                                      </a:rPr>
+                                      <m:t>𝐴</m:t>
+                                    </m:r>
+                                  </m:sub>
+                                </m:sSub>
+                                <m:r>
+                                  <a:rPr lang="en-US" i="1">
+                                    <a:latin typeface="Cambria Math" panose="02040503050406030204" pitchFamily="18" charset="0"/>
+                                  </a:rPr>
+                                  <m:t>+</m:t>
+                                </m:r>
+                                <m:sSubSup>
+                                  <m:sSubSupPr>
+                                    <m:ctrlPr>
+                                      <a:rPr lang="en-US" i="1">
+                                        <a:latin typeface="Cambria Math" panose="02040503050406030204" pitchFamily="18" charset="0"/>
+                                      </a:rPr>
+                                    </m:ctrlPr>
+                                  </m:sSubSupPr>
+                                  <m:e>
+                                    <m:acc>
+                                      <m:accPr>
+                                        <m:chr m:val="̂"/>
+                                        <m:ctrlPr>
+                                          <a:rPr lang="en-US" i="1">
+                                            <a:latin typeface="Cambria Math" panose="02040503050406030204" pitchFamily="18" charset="0"/>
+                                          </a:rPr>
+                                        </m:ctrlPr>
+                                      </m:accPr>
+                                      <m:e>
+                                        <m:r>
+                                          <a:rPr lang="en-US" i="1">
+                                            <a:latin typeface="Cambria Math" panose="02040503050406030204" pitchFamily="18" charset="0"/>
+                                          </a:rPr>
+                                          <m:t>𝛽</m:t>
+                                        </m:r>
+                                      </m:e>
+                                    </m:acc>
+                                  </m:e>
+                                  <m:sub>
+                                    <m:r>
+                                      <a:rPr lang="en-US" i="1">
+                                        <a:latin typeface="Cambria Math" panose="02040503050406030204" pitchFamily="18" charset="0"/>
+                                      </a:rPr>
+                                      <m:t>𝑋</m:t>
+                                    </m:r>
+                                  </m:sub>
+                                  <m:sup>
+                                    <m:r>
+                                      <a:rPr lang="en-US" i="1">
+                                        <a:latin typeface="Cambria Math" panose="02040503050406030204" pitchFamily="18" charset="0"/>
+                                      </a:rPr>
+                                      <m:t>⊤</m:t>
+                                    </m:r>
+                                  </m:sup>
+                                </m:sSubSup>
+                                <m:sSub>
+                                  <m:sSubPr>
+                                    <m:ctrlPr>
+                                      <a:rPr lang="en-US" i="1">
+                                        <a:latin typeface="Cambria Math" panose="02040503050406030204" pitchFamily="18" charset="0"/>
+                                      </a:rPr>
+                                    </m:ctrlPr>
+                                  </m:sSubPr>
+                                  <m:e>
+                                    <m:r>
+                                      <a:rPr lang="en-US" i="1">
+                                        <a:latin typeface="Cambria Math" panose="02040503050406030204" pitchFamily="18" charset="0"/>
+                                      </a:rPr>
+                                      <m:t>𝑋</m:t>
+                                    </m:r>
+                                  </m:e>
+                                  <m:sub>
+                                    <m:r>
+                                      <a:rPr lang="en-US" i="1">
+                                        <a:latin typeface="Cambria Math" panose="02040503050406030204" pitchFamily="18" charset="0"/>
+                                      </a:rPr>
+                                      <m:t>𝑖</m:t>
+                                    </m:r>
+                                  </m:sub>
+                                </m:sSub>
+                              </m:e>
+                            </m:d>
+                          </m:e>
+                        </m:nary>
+                        <m:r>
+                          <a:rPr lang="en-US" b="0" i="0" smtClean="0">
+                            <a:latin typeface="Cambria Math" panose="02040503050406030204" pitchFamily="18" charset="0"/>
+                          </a:rPr>
+                          <m:t>,</m:t>
+                        </m:r>
+                        <m:f>
+                          <m:fPr>
+                            <m:ctrlPr>
+                              <a:rPr lang="en-US" i="1" dirty="0">
+                                <a:latin typeface="Cambria Math" panose="02040503050406030204" pitchFamily="18" charset="0"/>
+                              </a:rPr>
+                            </m:ctrlPr>
+                          </m:fPr>
+                          <m:num>
+                            <m:r>
+                              <a:rPr lang="en-US" i="1" dirty="0">
+                                <a:latin typeface="Cambria Math" panose="02040503050406030204" pitchFamily="18" charset="0"/>
+                              </a:rPr>
+                              <m:t>1</m:t>
+                            </m:r>
+                          </m:num>
+                          <m:den>
+                            <m:r>
+                              <a:rPr lang="en-US" i="1" dirty="0">
+                                <a:latin typeface="Cambria Math" panose="02040503050406030204" pitchFamily="18" charset="0"/>
+                              </a:rPr>
+                              <m:t>𝑛</m:t>
+                            </m:r>
+                          </m:den>
+                        </m:f>
+                        <m:nary>
+                          <m:naryPr>
+                            <m:chr m:val="∑"/>
+                            <m:supHide m:val="on"/>
+                            <m:ctrlPr>
+                              <a:rPr lang="en-US" i="1" dirty="0">
+                                <a:latin typeface="Cambria Math" panose="02040503050406030204" pitchFamily="18" charset="0"/>
+                              </a:rPr>
+                            </m:ctrlPr>
+                          </m:naryPr>
+                          <m:sub>
+                            <m:r>
+                              <a:rPr lang="en-US" i="1" dirty="0">
+                                <a:latin typeface="Cambria Math" panose="02040503050406030204" pitchFamily="18" charset="0"/>
+                              </a:rPr>
+                              <m:t>𝑖</m:t>
+                            </m:r>
+                          </m:sub>
+                          <m:sup/>
+                          <m:e>
+                            <m:sSup>
+                              <m:sSupPr>
+                                <m:ctrlPr>
+                                  <a:rPr lang="en-US" i="1" dirty="0">
+                                    <a:latin typeface="Cambria Math" panose="02040503050406030204" pitchFamily="18" charset="0"/>
+                                  </a:rPr>
+                                </m:ctrlPr>
+                              </m:sSupPr>
+                              <m:e>
+                                <m:r>
+                                  <a:rPr lang="en-US" i="1" dirty="0">
+                                    <a:latin typeface="Cambria Math" panose="02040503050406030204" pitchFamily="18" charset="0"/>
+                                  </a:rPr>
+                                  <m:t>𝑔</m:t>
+                                </m:r>
+                              </m:e>
+                              <m:sup>
+                                <m:r>
+                                  <a:rPr lang="en-US" i="1" dirty="0">
+                                    <a:latin typeface="Cambria Math" panose="02040503050406030204" pitchFamily="18" charset="0"/>
+                                  </a:rPr>
+                                  <m:t>−1</m:t>
+                                </m:r>
+                              </m:sup>
+                            </m:sSup>
+                            <m:d>
+                              <m:dPr>
+                                <m:ctrlPr>
+                                  <a:rPr lang="en-US" i="1" dirty="0">
+                                    <a:latin typeface="Cambria Math" panose="02040503050406030204" pitchFamily="18" charset="0"/>
+                                  </a:rPr>
+                                </m:ctrlPr>
+                              </m:dPr>
+                              <m:e>
+                                <m:sSub>
+                                  <m:sSubPr>
+                                    <m:ctrlPr>
+                                      <a:rPr lang="en-US" i="1">
+                                        <a:latin typeface="Cambria Math" panose="02040503050406030204" pitchFamily="18" charset="0"/>
+                                      </a:rPr>
+                                    </m:ctrlPr>
+                                  </m:sSubPr>
+                                  <m:e>
+                                    <m:r>
+                                      <a:rPr lang="en-US" i="1">
+                                        <a:latin typeface="Cambria Math" panose="02040503050406030204" pitchFamily="18" charset="0"/>
+                                      </a:rPr>
+                                      <m:t> </m:t>
+                                    </m:r>
+                                    <m:acc>
+                                      <m:accPr>
+                                        <m:chr m:val="̂"/>
+                                        <m:ctrlPr>
+                                          <a:rPr lang="en-US" i="1">
+                                            <a:latin typeface="Cambria Math" panose="02040503050406030204" pitchFamily="18" charset="0"/>
+                                          </a:rPr>
+                                        </m:ctrlPr>
+                                      </m:accPr>
+                                      <m:e>
+                                        <m:r>
+                                          <a:rPr lang="en-US" i="1">
+                                            <a:latin typeface="Cambria Math" panose="02040503050406030204" pitchFamily="18" charset="0"/>
+                                          </a:rPr>
+                                          <m:t>𝛽</m:t>
+                                        </m:r>
+                                      </m:e>
+                                    </m:acc>
+                                  </m:e>
+                                  <m:sub>
+                                    <m:r>
+                                      <a:rPr lang="en-US" i="1">
+                                        <a:latin typeface="Cambria Math" panose="02040503050406030204" pitchFamily="18" charset="0"/>
+                                      </a:rPr>
+                                      <m:t>0</m:t>
+                                    </m:r>
+                                  </m:sub>
+                                </m:sSub>
+                                <m:r>
+                                  <a:rPr lang="en-US" i="1">
+                                    <a:latin typeface="Cambria Math" panose="02040503050406030204" pitchFamily="18" charset="0"/>
+                                  </a:rPr>
+                                  <m:t>+</m:t>
+                                </m:r>
+                                <m:sSubSup>
+                                  <m:sSubSupPr>
+                                    <m:ctrlPr>
+                                      <a:rPr lang="en-US" i="1">
+                                        <a:latin typeface="Cambria Math" panose="02040503050406030204" pitchFamily="18" charset="0"/>
+                                      </a:rPr>
+                                    </m:ctrlPr>
+                                  </m:sSubSupPr>
+                                  <m:e>
+                                    <m:acc>
+                                      <m:accPr>
+                                        <m:chr m:val="̂"/>
+                                        <m:ctrlPr>
+                                          <a:rPr lang="en-US" i="1">
+                                            <a:latin typeface="Cambria Math" panose="02040503050406030204" pitchFamily="18" charset="0"/>
+                                          </a:rPr>
+                                        </m:ctrlPr>
+                                      </m:accPr>
+                                      <m:e>
+                                        <m:r>
+                                          <a:rPr lang="en-US" i="1">
+                                            <a:latin typeface="Cambria Math" panose="02040503050406030204" pitchFamily="18" charset="0"/>
+                                          </a:rPr>
+                                          <m:t>𝛽</m:t>
+                                        </m:r>
+                                      </m:e>
+                                    </m:acc>
+                                  </m:e>
+                                  <m:sub>
+                                    <m:r>
+                                      <a:rPr lang="en-US" i="1">
+                                        <a:latin typeface="Cambria Math" panose="02040503050406030204" pitchFamily="18" charset="0"/>
+                                      </a:rPr>
+                                      <m:t>𝑋</m:t>
+                                    </m:r>
+                                  </m:sub>
+                                  <m:sup>
+                                    <m:r>
+                                      <a:rPr lang="en-US" i="1">
+                                        <a:latin typeface="Cambria Math" panose="02040503050406030204" pitchFamily="18" charset="0"/>
+                                      </a:rPr>
+                                      <m:t>⊤</m:t>
+                                    </m:r>
+                                  </m:sup>
+                                </m:sSubSup>
+                                <m:sSub>
+                                  <m:sSubPr>
+                                    <m:ctrlPr>
+                                      <a:rPr lang="en-US" i="1">
+                                        <a:latin typeface="Cambria Math" panose="02040503050406030204" pitchFamily="18" charset="0"/>
+                                      </a:rPr>
+                                    </m:ctrlPr>
+                                  </m:sSubPr>
+                                  <m:e>
+                                    <m:r>
+                                      <a:rPr lang="en-US" i="1">
+                                        <a:latin typeface="Cambria Math" panose="02040503050406030204" pitchFamily="18" charset="0"/>
+                                      </a:rPr>
+                                      <m:t>𝑋</m:t>
+                                    </m:r>
+                                  </m:e>
+                                  <m:sub>
+                                    <m:r>
+                                      <a:rPr lang="en-US" i="1">
+                                        <a:latin typeface="Cambria Math" panose="02040503050406030204" pitchFamily="18" charset="0"/>
+                                      </a:rPr>
+                                      <m:t>𝑖</m:t>
+                                    </m:r>
+                                  </m:sub>
+                                </m:sSub>
+                              </m:e>
+                            </m:d>
+                          </m:e>
+                        </m:nary>
+                      </m:e>
+                    </m:d>
+                  </m:oMath>
+                </a14:m>
+                <a:r>
+                  <a:rPr lang="en-US" dirty="0"/>
+                  <a:t>,</a:t>
+                </a:r>
+              </a:p>
+              <a:p>
+                <a:r>
+                  <a:rPr lang="en-US" dirty="0"/>
+                  <a:t>Asymptotic variance</a:t>
+                </a:r>
+              </a:p>
+              <a:p>
+                <a:pPr lvl="1"/>
+                <a:r>
+                  <a:rPr lang="en-US" dirty="0"/>
+                  <a:t>Simple randomization </a:t>
+                </a:r>
+                <a14:m>
+                  <m:oMath xmlns:m="http://schemas.openxmlformats.org/officeDocument/2006/math">
+                    <m:sSub>
+                      <m:sSubPr>
+                        <m:ctrlPr>
+                          <a:rPr lang="en-US" b="0" i="1" smtClean="0">
+                            <a:latin typeface="Cambria Math" panose="02040503050406030204" pitchFamily="18" charset="0"/>
+                          </a:rPr>
+                        </m:ctrlPr>
+                      </m:sSubPr>
+                      <m:e>
+                        <m:r>
+                          <a:rPr lang="en-US" b="0" i="1" smtClean="0">
+                            <a:latin typeface="Cambria Math" panose="02040503050406030204" pitchFamily="18" charset="0"/>
+                          </a:rPr>
+                          <m:t>𝑉</m:t>
+                        </m:r>
+                      </m:e>
+                      <m:sub>
+                        <m:r>
+                          <a:rPr lang="en-US" b="0" i="1" smtClean="0">
+                            <a:latin typeface="Cambria Math" panose="02040503050406030204" pitchFamily="18" charset="0"/>
+                          </a:rPr>
+                          <m:t>𝑠𝑖𝑚𝑝𝑙𝑒</m:t>
+                        </m:r>
+                      </m:sub>
+                    </m:sSub>
+                  </m:oMath>
+                </a14:m>
+                <a:endParaRPr lang="en-US" dirty="0"/>
+              </a:p>
+              <a:p>
+                <a:pPr lvl="1"/>
+                <a:r>
+                  <a:rPr lang="en-US" dirty="0"/>
+                  <a:t>Stratified randomization </a:t>
+                </a:r>
+                <a14:m>
+                  <m:oMath xmlns:m="http://schemas.openxmlformats.org/officeDocument/2006/math">
+                    <m:sSub>
+                      <m:sSubPr>
+                        <m:ctrlPr>
+                          <a:rPr lang="en-US" i="1">
+                            <a:latin typeface="Cambria Math" panose="02040503050406030204" pitchFamily="18" charset="0"/>
+                          </a:rPr>
+                        </m:ctrlPr>
+                      </m:sSubPr>
+                      <m:e>
+                        <m:r>
+                          <a:rPr lang="en-US" i="1">
+                            <a:latin typeface="Cambria Math" panose="02040503050406030204" pitchFamily="18" charset="0"/>
+                          </a:rPr>
+                          <m:t>𝑉</m:t>
+                        </m:r>
+                      </m:e>
+                      <m:sub>
+                        <m:r>
+                          <a:rPr lang="en-US" b="0" i="1" smtClean="0">
+                            <a:latin typeface="Cambria Math" panose="02040503050406030204" pitchFamily="18" charset="0"/>
+                          </a:rPr>
+                          <m:t>𝑠𝑡𝑟𝑎𝑡𝑖𝑓𝑖𝑒𝑑</m:t>
+                        </m:r>
+                      </m:sub>
+                    </m:sSub>
+                  </m:oMath>
+                </a14:m>
+                <a:endParaRPr lang="en-US" dirty="0"/>
+              </a:p>
+            </p:txBody>
+          </p:sp>
+        </mc:Choice>
+        <mc:Fallback>
+          <p:sp>
+            <p:nvSpPr>
+              <p:cNvPr id="5" name="Subtitle 4"/>
+              <p:cNvSpPr>
+                <a:spLocks noGrp="1" noRot="1" noChangeAspect="1" noMove="1" noResize="1" noEditPoints="1" noAdjustHandles="1" noChangeArrowheads="1" noChangeShapeType="1" noTextEdit="1"/>
+              </p:cNvSpPr>
+              <p:nvPr>
+                <p:ph sz="quarter" idx="13"/>
+              </p:nvPr>
+            </p:nvSpPr>
+            <p:spPr>
+              <a:xfrm>
+                <a:off x="533400" y="1295400"/>
+                <a:ext cx="7772400" cy="4419600"/>
+              </a:xfrm>
+              <a:blipFill>
+                <a:blip r:embed="rId2"/>
+                <a:stretch>
+                  <a:fillRect l="-1958" t="-860"/>
+                </a:stretch>
+              </a:blipFill>
+            </p:spPr>
+            <p:txBody>
+              <a:bodyPr/>
+              <a:lstStyle/>
+              <a:p>
+                <a:r>
+                  <a:rPr lang="en-US">
+                    <a:noFill/>
+                  </a:rPr>
+                  <a:t> </a:t>
+                </a:r>
+              </a:p>
+            </p:txBody>
+          </p:sp>
+        </mc:Fallback>
+      </mc:AlternateContent>
+      <p:sp>
+        <p:nvSpPr>
+          <p:cNvPr id="8" name="Rounded Rectangle 7">
+            <a:extLst>
+              <a:ext uri="{FF2B5EF4-FFF2-40B4-BE49-F238E27FC236}">
+                <a16:creationId xmlns:a16="http://schemas.microsoft.com/office/drawing/2014/main" id="{0B37AC2C-EED1-0D44-B729-9FDA386A43C5}"/>
+              </a:ext>
+            </a:extLst>
+          </p:cNvPr>
+          <p:cNvSpPr/>
+          <p:nvPr/>
+        </p:nvSpPr>
+        <p:spPr>
+          <a:xfrm>
+            <a:off x="6934200" y="5943600"/>
+            <a:ext cx="1752600" cy="533400"/>
+          </a:xfrm>
+          <a:prstGeom prst="roundRect">
+            <a:avLst/>
+          </a:prstGeom>
+          <a:solidFill>
+            <a:schemeClr val="bg1"/>
+          </a:solidFill>
+          <a:ln>
+            <a:noFill/>
+          </a:ln>
+        </p:spPr>
+        <p:style>
+          <a:lnRef idx="2">
+            <a:schemeClr val="accent1">
+              <a:shade val="50000"/>
+            </a:schemeClr>
+          </a:lnRef>
+          <a:fillRef idx="1">
+            <a:schemeClr val="accent1"/>
+          </a:fillRef>
+          <a:effectRef idx="0">
+            <a:schemeClr val="accent1"/>
+          </a:effectRef>
+          <a:fontRef idx="minor">
+            <a:schemeClr val="lt1"/>
+          </a:fontRef>
+        </p:style>
+        <p:txBody>
+          <a:bodyPr rtlCol="0" anchor="ctr"/>
+          <a:lstStyle/>
+          <a:p>
+            <a:pPr algn="ctr"/>
+            <a:endParaRPr lang="en-US"/>
+          </a:p>
+        </p:txBody>
+      </p:sp>
+      <p:sp>
+        <p:nvSpPr>
+          <p:cNvPr id="6" name="Slide Number Placeholder 5">
+            <a:extLst>
+              <a:ext uri="{FF2B5EF4-FFF2-40B4-BE49-F238E27FC236}">
+                <a16:creationId xmlns:a16="http://schemas.microsoft.com/office/drawing/2014/main" id="{7251577A-9B81-7847-A401-627CFE183316}"/>
+              </a:ext>
+            </a:extLst>
+          </p:cNvPr>
+          <p:cNvSpPr>
+            <a:spLocks noGrp="1"/>
+          </p:cNvSpPr>
+          <p:nvPr>
+            <p:ph type="sldNum" sz="quarter" idx="4"/>
+          </p:nvPr>
+        </p:nvSpPr>
+        <p:spPr/>
+        <p:txBody>
+          <a:bodyPr/>
+          <a:lstStyle/>
+          <a:p>
+            <a:pPr defTabSz="1149350">
+              <a:tabLst/>
+            </a:pPr>
+            <a:fld id="{0499C290-51E0-41BB-9934-58A3D372F678}" type="slidenum">
+              <a:rPr lang="en-US" smtClean="0"/>
+              <a:pPr defTabSz="1149350">
+                <a:tabLst/>
+              </a:pPr>
+              <a:t>38</a:t>
+            </a:fld>
+            <a:endParaRPr lang="en-US"/>
+          </a:p>
+        </p:txBody>
+      </p:sp>
+    </p:spTree>
+    <p:extLst>
+      <p:ext uri="{BB962C8B-B14F-4D97-AF65-F5344CB8AC3E}">
+        <p14:creationId xmlns:p14="http://schemas.microsoft.com/office/powerpoint/2010/main" val="2940823795"/>
+      </p:ext>
+    </p:extLst>
+  </p:cSld>
+  <p:clrMapOvr>
+    <a:masterClrMapping/>
+  </p:clrMapOvr>
+</p:sld>
+</file>
+
+<file path=ppt/slides/slide39.xml><?xml version="1.0" encoding="utf-8"?>
+<p:sld xmlns:a="http://schemas.openxmlformats.org/drawingml/2006/main" xmlns:r="http://schemas.openxmlformats.org/officeDocument/2006/relationships" xmlns:p="http://schemas.openxmlformats.org/presentationml/2006/main">
+  <p:cSld>
+    <p:spTree>
+      <p:nvGrpSpPr>
+        <p:cNvPr id="1" name=""/>
+        <p:cNvGrpSpPr/>
+        <p:nvPr/>
+      </p:nvGrpSpPr>
+      <p:grpSpPr>
+        <a:xfrm>
+          <a:off x="0" y="0"/>
+          <a:ext cx="0" cy="0"/>
+          <a:chOff x="0" y="0"/>
+          <a:chExt cx="0" cy="0"/>
+        </a:xfrm>
+      </p:grpSpPr>
+      <p:sp>
+        <p:nvSpPr>
+          <p:cNvPr id="2" name="Title 1"/>
+          <p:cNvSpPr>
+            <a:spLocks noGrp="1"/>
+          </p:cNvSpPr>
+          <p:nvPr>
+            <p:ph type="title"/>
+          </p:nvPr>
+        </p:nvSpPr>
+        <p:spPr/>
+        <p:txBody>
+          <a:bodyPr/>
+          <a:lstStyle/>
+          <a:p>
+            <a:pPr>
+              <a:lnSpc>
+                <a:spcPct val="114000"/>
+              </a:lnSpc>
+            </a:pPr>
+            <a:r>
+              <a:rPr lang="en-US" dirty="0"/>
+              <a:t>Discussion: is the working model correct?</a:t>
+            </a:r>
+            <a:br>
+              <a:rPr lang="en-US" dirty="0"/>
+            </a:br>
+            <a:endParaRPr lang="en-US" dirty="0"/>
+          </a:p>
+        </p:txBody>
+      </p:sp>
+      <mc:AlternateContent xmlns:mc="http://schemas.openxmlformats.org/markup-compatibility/2006">
+        <mc:Choice xmlns:a14="http://schemas.microsoft.com/office/drawing/2010/main" Requires="a14">
+          <p:sp>
+            <p:nvSpPr>
+              <p:cNvPr id="5" name="Subtitle 4"/>
+              <p:cNvSpPr>
+                <a:spLocks noGrp="1"/>
+              </p:cNvSpPr>
+              <p:nvPr>
+                <p:ph sz="quarter" idx="13"/>
+              </p:nvPr>
+            </p:nvSpPr>
+            <p:spPr>
+              <a:xfrm>
+                <a:off x="533400" y="1295400"/>
+                <a:ext cx="7772400" cy="4419600"/>
+              </a:xfrm>
+            </p:spPr>
+            <p:txBody>
+              <a:bodyPr/>
+              <a:lstStyle/>
+              <a:p>
+                <a:r>
+                  <a:rPr lang="en-US" dirty="0"/>
+                  <a:t>If the working model is correct, then</a:t>
+                </a:r>
+              </a:p>
+              <a:p>
+                <a:pPr lvl="1"/>
+                <a14:m>
+                  <m:oMath xmlns:m="http://schemas.openxmlformats.org/officeDocument/2006/math">
+                    <m:sSub>
+                      <m:sSubPr>
+                        <m:ctrlPr>
+                          <a:rPr lang="en-US" i="1">
+                            <a:latin typeface="Cambria Math" panose="02040503050406030204" pitchFamily="18" charset="0"/>
+                          </a:rPr>
+                        </m:ctrlPr>
+                      </m:sSubPr>
+                      <m:e>
+                        <m:r>
+                          <a:rPr lang="en-US" i="1">
+                            <a:latin typeface="Cambria Math" panose="02040503050406030204" pitchFamily="18" charset="0"/>
+                          </a:rPr>
+                          <m:t>𝑉</m:t>
+                        </m:r>
+                      </m:e>
+                      <m:sub>
+                        <m:r>
+                          <a:rPr lang="en-US" i="1">
+                            <a:latin typeface="Cambria Math" panose="02040503050406030204" pitchFamily="18" charset="0"/>
+                          </a:rPr>
+                          <m:t>𝑠𝑖𝑚𝑝𝑙𝑒</m:t>
+                        </m:r>
+                      </m:sub>
+                    </m:sSub>
+                    <m:r>
+                      <a:rPr lang="en-US" b="0" i="1" smtClean="0">
+                        <a:latin typeface="Cambria Math" panose="02040503050406030204" pitchFamily="18" charset="0"/>
+                      </a:rPr>
+                      <m:t>=</m:t>
+                    </m:r>
+                    <m:sSub>
+                      <m:sSubPr>
+                        <m:ctrlPr>
+                          <a:rPr lang="en-US" i="1">
+                            <a:latin typeface="Cambria Math" panose="02040503050406030204" pitchFamily="18" charset="0"/>
+                          </a:rPr>
+                        </m:ctrlPr>
+                      </m:sSubPr>
+                      <m:e>
+                        <m:r>
+                          <a:rPr lang="en-US" i="1">
+                            <a:latin typeface="Cambria Math" panose="02040503050406030204" pitchFamily="18" charset="0"/>
+                          </a:rPr>
+                          <m:t>𝑉</m:t>
+                        </m:r>
+                      </m:e>
+                      <m:sub>
+                        <m:r>
+                          <a:rPr lang="en-US" i="1">
+                            <a:latin typeface="Cambria Math" panose="02040503050406030204" pitchFamily="18" charset="0"/>
+                          </a:rPr>
+                          <m:t>𝑠𝑡𝑟𝑎𝑡𝑖𝑓𝑖𝑒𝑑</m:t>
+                        </m:r>
+                      </m:sub>
+                    </m:sSub>
+                    <m:r>
+                      <a:rPr lang="en-US" b="0" i="1" smtClean="0">
+                        <a:latin typeface="Cambria Math" panose="02040503050406030204" pitchFamily="18" charset="0"/>
+                      </a:rPr>
+                      <m:t>=</m:t>
+                    </m:r>
+                  </m:oMath>
+                </a14:m>
+                <a:r>
+                  <a:rPr lang="en-US" dirty="0"/>
+                  <a:t> the nominal variance </a:t>
+                </a:r>
+              </a:p>
+              <a:p>
+                <a:pPr lvl="1"/>
+                <a:r>
+                  <a:rPr lang="en-US" dirty="0"/>
+                  <a:t>The sandwich variance estimator and nominal variance estimator are both correct.</a:t>
+                </a:r>
+              </a:p>
+              <a:p>
+                <a:pPr marL="0" indent="0">
+                  <a:buNone/>
+                </a:pPr>
+                <a:endParaRPr lang="en-US" dirty="0"/>
+              </a:p>
+              <a:p>
+                <a:r>
+                  <a:rPr lang="en-US" dirty="0"/>
+                  <a:t>If the working is not correct, then</a:t>
+                </a:r>
+              </a:p>
+              <a:p>
+                <a:pPr lvl="1"/>
+                <a14:m>
+                  <m:oMath xmlns:m="http://schemas.openxmlformats.org/officeDocument/2006/math">
+                    <m:sSub>
+                      <m:sSubPr>
+                        <m:ctrlPr>
+                          <a:rPr lang="en-US" i="1">
+                            <a:latin typeface="Cambria Math" panose="02040503050406030204" pitchFamily="18" charset="0"/>
+                          </a:rPr>
+                        </m:ctrlPr>
+                      </m:sSubPr>
+                      <m:e>
+                        <m:r>
+                          <a:rPr lang="en-US" i="1">
+                            <a:latin typeface="Cambria Math" panose="02040503050406030204" pitchFamily="18" charset="0"/>
+                          </a:rPr>
+                          <m:t>𝑉</m:t>
+                        </m:r>
+                      </m:e>
+                      <m:sub>
+                        <m:r>
+                          <a:rPr lang="en-US" i="1">
+                            <a:latin typeface="Cambria Math" panose="02040503050406030204" pitchFamily="18" charset="0"/>
+                          </a:rPr>
+                          <m:t>𝑠𝑖𝑚𝑝𝑙𝑒</m:t>
+                        </m:r>
+                      </m:sub>
+                    </m:sSub>
+                    <m:r>
+                      <a:rPr lang="en-US" b="0" i="1" smtClean="0">
+                        <a:latin typeface="Cambria Math" panose="02040503050406030204" pitchFamily="18" charset="0"/>
+                      </a:rPr>
+                      <m:t>≥</m:t>
+                    </m:r>
+                    <m:sSub>
+                      <m:sSubPr>
+                        <m:ctrlPr>
+                          <a:rPr lang="en-US" i="1">
+                            <a:latin typeface="Cambria Math" panose="02040503050406030204" pitchFamily="18" charset="0"/>
+                          </a:rPr>
+                        </m:ctrlPr>
+                      </m:sSubPr>
+                      <m:e>
+                        <m:r>
+                          <a:rPr lang="en-US" i="1">
+                            <a:latin typeface="Cambria Math" panose="02040503050406030204" pitchFamily="18" charset="0"/>
+                          </a:rPr>
+                          <m:t>𝑉</m:t>
+                        </m:r>
+                      </m:e>
+                      <m:sub>
+                        <m:r>
+                          <a:rPr lang="en-US" i="1">
+                            <a:latin typeface="Cambria Math" panose="02040503050406030204" pitchFamily="18" charset="0"/>
+                          </a:rPr>
+                          <m:t>𝑠𝑡𝑟𝑎𝑡𝑖𝑓𝑖𝑒𝑑</m:t>
+                        </m:r>
+                      </m:sub>
+                    </m:sSub>
+                  </m:oMath>
+                </a14:m>
+                <a:endParaRPr lang="en-US" dirty="0"/>
+              </a:p>
+              <a:p>
+                <a:pPr lvl="1"/>
+                <a14:m>
+                  <m:oMath xmlns:m="http://schemas.openxmlformats.org/officeDocument/2006/math">
+                    <m:sSub>
+                      <m:sSubPr>
+                        <m:ctrlPr>
+                          <a:rPr lang="en-US" i="1">
+                            <a:latin typeface="Cambria Math" panose="02040503050406030204" pitchFamily="18" charset="0"/>
+                          </a:rPr>
+                        </m:ctrlPr>
+                      </m:sSubPr>
+                      <m:e>
+                        <m:r>
+                          <a:rPr lang="en-US" i="1">
+                            <a:latin typeface="Cambria Math" panose="02040503050406030204" pitchFamily="18" charset="0"/>
+                          </a:rPr>
+                          <m:t>𝑉</m:t>
+                        </m:r>
+                      </m:e>
+                      <m:sub>
+                        <m:r>
+                          <a:rPr lang="en-US" i="1">
+                            <a:latin typeface="Cambria Math" panose="02040503050406030204" pitchFamily="18" charset="0"/>
+                          </a:rPr>
+                          <m:t>𝑠𝑖𝑚𝑝𝑙𝑒</m:t>
+                        </m:r>
+                      </m:sub>
+                    </m:sSub>
+                    <m:r>
+                      <a:rPr lang="en-US" b="0" i="1" smtClean="0">
+                        <a:latin typeface="Cambria Math" panose="02040503050406030204" pitchFamily="18" charset="0"/>
+                      </a:rPr>
+                      <m:t>≥</m:t>
+                    </m:r>
+                  </m:oMath>
+                </a14:m>
+                <a:r>
+                  <a:rPr lang="en-US" dirty="0"/>
+                  <a:t> the nominal variance</a:t>
+                </a:r>
+              </a:p>
+              <a:p>
+                <a:pPr lvl="1"/>
+                <a:r>
+                  <a:rPr lang="en-US" dirty="0"/>
+                  <a:t>the nominal variance does not correctly control the type I error.</a:t>
+                </a:r>
+              </a:p>
+            </p:txBody>
+          </p:sp>
+        </mc:Choice>
+        <mc:Fallback>
+          <p:sp>
+            <p:nvSpPr>
+              <p:cNvPr id="5" name="Subtitle 4"/>
+              <p:cNvSpPr>
+                <a:spLocks noGrp="1" noRot="1" noChangeAspect="1" noMove="1" noResize="1" noEditPoints="1" noAdjustHandles="1" noChangeArrowheads="1" noChangeShapeType="1" noTextEdit="1"/>
+              </p:cNvSpPr>
+              <p:nvPr>
+                <p:ph sz="quarter" idx="13"/>
+              </p:nvPr>
+            </p:nvSpPr>
+            <p:spPr>
+              <a:xfrm>
+                <a:off x="533400" y="1295400"/>
+                <a:ext cx="7772400" cy="4419600"/>
+              </a:xfrm>
+              <a:blipFill>
+                <a:blip r:embed="rId2"/>
+                <a:stretch>
+                  <a:fillRect l="-1958" t="-860" r="-2773"/>
+                </a:stretch>
+              </a:blipFill>
+            </p:spPr>
+            <p:txBody>
+              <a:bodyPr/>
+              <a:lstStyle/>
+              <a:p>
+                <a:r>
+                  <a:rPr lang="en-US">
+                    <a:noFill/>
+                  </a:rPr>
+                  <a:t> </a:t>
+                </a:r>
+              </a:p>
+            </p:txBody>
+          </p:sp>
+        </mc:Fallback>
+      </mc:AlternateContent>
+      <p:sp>
+        <p:nvSpPr>
+          <p:cNvPr id="8" name="Rounded Rectangle 7">
+            <a:extLst>
+              <a:ext uri="{FF2B5EF4-FFF2-40B4-BE49-F238E27FC236}">
+                <a16:creationId xmlns:a16="http://schemas.microsoft.com/office/drawing/2014/main" id="{0B37AC2C-EED1-0D44-B729-9FDA386A43C5}"/>
+              </a:ext>
+            </a:extLst>
+          </p:cNvPr>
+          <p:cNvSpPr/>
+          <p:nvPr/>
+        </p:nvSpPr>
+        <p:spPr>
+          <a:xfrm>
+            <a:off x="6934200" y="5943600"/>
+            <a:ext cx="1752600" cy="533400"/>
+          </a:xfrm>
+          <a:prstGeom prst="roundRect">
+            <a:avLst/>
+          </a:prstGeom>
+          <a:solidFill>
+            <a:schemeClr val="bg1"/>
+          </a:solidFill>
+          <a:ln>
+            <a:noFill/>
+          </a:ln>
+        </p:spPr>
+        <p:style>
+          <a:lnRef idx="2">
+            <a:schemeClr val="accent1">
+              <a:shade val="50000"/>
+            </a:schemeClr>
+          </a:lnRef>
+          <a:fillRef idx="1">
+            <a:schemeClr val="accent1"/>
+          </a:fillRef>
+          <a:effectRef idx="0">
+            <a:schemeClr val="accent1"/>
+          </a:effectRef>
+          <a:fontRef idx="minor">
+            <a:schemeClr val="lt1"/>
+          </a:fontRef>
+        </p:style>
+        <p:txBody>
+          <a:bodyPr rtlCol="0" anchor="ctr"/>
+          <a:lstStyle/>
+          <a:p>
+            <a:pPr algn="ctr"/>
+            <a:endParaRPr lang="en-US"/>
+          </a:p>
+        </p:txBody>
+      </p:sp>
+      <p:sp>
+        <p:nvSpPr>
+          <p:cNvPr id="6" name="Slide Number Placeholder 5">
+            <a:extLst>
+              <a:ext uri="{FF2B5EF4-FFF2-40B4-BE49-F238E27FC236}">
+                <a16:creationId xmlns:a16="http://schemas.microsoft.com/office/drawing/2014/main" id="{7251577A-9B81-7847-A401-627CFE183316}"/>
+              </a:ext>
+            </a:extLst>
+          </p:cNvPr>
+          <p:cNvSpPr>
+            <a:spLocks noGrp="1"/>
+          </p:cNvSpPr>
+          <p:nvPr>
+            <p:ph type="sldNum" sz="quarter" idx="4"/>
+          </p:nvPr>
+        </p:nvSpPr>
+        <p:spPr/>
+        <p:txBody>
+          <a:bodyPr/>
+          <a:lstStyle/>
+          <a:p>
+            <a:pPr defTabSz="1149350">
+              <a:tabLst/>
+            </a:pPr>
+            <a:fld id="{0499C290-51E0-41BB-9934-58A3D372F678}" type="slidenum">
+              <a:rPr lang="en-US" smtClean="0"/>
+              <a:pPr defTabSz="1149350">
+                <a:tabLst/>
+              </a:pPr>
+              <a:t>39</a:t>
+            </a:fld>
+            <a:endParaRPr lang="en-US"/>
+          </a:p>
+        </p:txBody>
+      </p:sp>
+    </p:spTree>
+    <p:extLst>
+      <p:ext uri="{BB962C8B-B14F-4D97-AF65-F5344CB8AC3E}">
+        <p14:creationId xmlns:p14="http://schemas.microsoft.com/office/powerpoint/2010/main" val="1764589798"/>
+      </p:ext>
+    </p:extLst>
+  </p:cSld>
+  <p:clrMapOvr>
+    <a:masterClrMapping/>
+  </p:clrMapOvr>
+</p:sld>
+</file>
+
 <file path=ppt/slides/slide4.xml><?xml version="1.0" encoding="utf-8"?>
 <p:sld xmlns:a="http://schemas.openxmlformats.org/drawingml/2006/main" xmlns:r="http://schemas.openxmlformats.org/officeDocument/2006/relationships" xmlns:p="http://schemas.openxmlformats.org/presentationml/2006/main">
   <p:cSld>
@@ -28096,6 +29687,1657 @@
       <p:bldP spid="12" grpId="0"/>
     </p:bldLst>
   </p:timing>
+</p:sld>
+</file>
+
+<file path=ppt/slides/slide40.xml><?xml version="1.0" encoding="utf-8"?>
+<p:sld xmlns:a="http://schemas.openxmlformats.org/drawingml/2006/main" xmlns:r="http://schemas.openxmlformats.org/officeDocument/2006/relationships" xmlns:p="http://schemas.openxmlformats.org/presentationml/2006/main">
+  <p:cSld>
+    <p:spTree>
+      <p:nvGrpSpPr>
+        <p:cNvPr id="1" name=""/>
+        <p:cNvGrpSpPr/>
+        <p:nvPr/>
+      </p:nvGrpSpPr>
+      <p:grpSpPr>
+        <a:xfrm>
+          <a:off x="0" y="0"/>
+          <a:ext cx="0" cy="0"/>
+          <a:chOff x="0" y="0"/>
+          <a:chExt cx="0" cy="0"/>
+        </a:xfrm>
+      </p:grpSpPr>
+      <p:sp>
+        <p:nvSpPr>
+          <p:cNvPr id="2" name="Title 1"/>
+          <p:cNvSpPr>
+            <a:spLocks noGrp="1"/>
+          </p:cNvSpPr>
+          <p:nvPr>
+            <p:ph type="title"/>
+          </p:nvPr>
+        </p:nvSpPr>
+        <p:spPr>
+          <a:xfrm>
+            <a:off x="685800" y="758952"/>
+            <a:ext cx="7924800" cy="762000"/>
+          </a:xfrm>
+        </p:spPr>
+        <p:txBody>
+          <a:bodyPr/>
+          <a:lstStyle/>
+          <a:p>
+            <a:pPr>
+              <a:lnSpc>
+                <a:spcPct val="114000"/>
+              </a:lnSpc>
+            </a:pPr>
+            <a:r>
+              <a:rPr lang="en-US" dirty="0"/>
+              <a:t>Discussion: balance by design or by adjustment?</a:t>
+            </a:r>
+            <a:br>
+              <a:rPr lang="en-US" dirty="0"/>
+            </a:br>
+            <a:endParaRPr lang="en-US" dirty="0"/>
+          </a:p>
+        </p:txBody>
+      </p:sp>
+      <mc:AlternateContent xmlns:mc="http://schemas.openxmlformats.org/markup-compatibility/2006">
+        <mc:Choice xmlns:a14="http://schemas.microsoft.com/office/drawing/2010/main" Requires="a14">
+          <p:sp>
+            <p:nvSpPr>
+              <p:cNvPr id="5" name="Subtitle 4"/>
+              <p:cNvSpPr>
+                <a:spLocks noGrp="1"/>
+              </p:cNvSpPr>
+              <p:nvPr>
+                <p:ph sz="quarter" idx="13"/>
+              </p:nvPr>
+            </p:nvSpPr>
+            <p:spPr>
+              <a:xfrm>
+                <a:off x="533400" y="1295400"/>
+                <a:ext cx="7772400" cy="5181600"/>
+              </a:xfrm>
+            </p:spPr>
+            <p:txBody>
+              <a:bodyPr/>
+              <a:lstStyle/>
+              <a:p>
+                <a:r>
+                  <a:rPr lang="en-US" dirty="0"/>
+                  <a:t>Strategy 1:</a:t>
+                </a:r>
+              </a:p>
+              <a:p>
+                <a:pPr lvl="1"/>
+                <a:r>
+                  <a:rPr lang="en-US" dirty="0"/>
+                  <a:t>Balance all important baseline strata by stratified randomization</a:t>
+                </a:r>
+              </a:p>
+              <a:p>
+                <a:pPr lvl="1"/>
+                <a:r>
+                  <a:rPr lang="en-US" dirty="0"/>
+                  <a:t>Use an unadjusted estimator</a:t>
+                </a:r>
+              </a:p>
+              <a:p>
+                <a:pPr lvl="1"/>
+                <a14:m>
+                  <m:oMath xmlns:m="http://schemas.openxmlformats.org/officeDocument/2006/math">
+                    <m:sSub>
+                      <m:sSubPr>
+                        <m:ctrlPr>
+                          <a:rPr lang="en-US" i="1">
+                            <a:latin typeface="Cambria Math" panose="02040503050406030204" pitchFamily="18" charset="0"/>
+                          </a:rPr>
+                        </m:ctrlPr>
+                      </m:sSubPr>
+                      <m:e>
+                        <m:r>
+                          <a:rPr lang="en-US" i="1">
+                            <a:latin typeface="Cambria Math" panose="02040503050406030204" pitchFamily="18" charset="0"/>
+                          </a:rPr>
+                          <m:t>𝑉</m:t>
+                        </m:r>
+                      </m:e>
+                      <m:sub>
+                        <m:r>
+                          <a:rPr lang="en-US" i="1">
+                            <a:latin typeface="Cambria Math" panose="02040503050406030204" pitchFamily="18" charset="0"/>
+                          </a:rPr>
+                          <m:t>𝑠𝑖𝑚𝑝𝑙𝑒</m:t>
+                        </m:r>
+                        <m:r>
+                          <a:rPr lang="en-US" b="0" i="1" smtClean="0">
+                            <a:latin typeface="Cambria Math" panose="02040503050406030204" pitchFamily="18" charset="0"/>
+                          </a:rPr>
+                          <m:t>,1</m:t>
+                        </m:r>
+                      </m:sub>
+                    </m:sSub>
+                    <m:r>
+                      <a:rPr lang="en-US" i="1">
+                        <a:latin typeface="Cambria Math" panose="02040503050406030204" pitchFamily="18" charset="0"/>
+                      </a:rPr>
+                      <m:t>≥</m:t>
+                    </m:r>
+                    <m:sSub>
+                      <m:sSubPr>
+                        <m:ctrlPr>
+                          <a:rPr lang="en-US" i="1">
+                            <a:latin typeface="Cambria Math" panose="02040503050406030204" pitchFamily="18" charset="0"/>
+                          </a:rPr>
+                        </m:ctrlPr>
+                      </m:sSubPr>
+                      <m:e>
+                        <m:r>
+                          <a:rPr lang="en-US" i="1">
+                            <a:latin typeface="Cambria Math" panose="02040503050406030204" pitchFamily="18" charset="0"/>
+                          </a:rPr>
+                          <m:t>𝑉</m:t>
+                        </m:r>
+                      </m:e>
+                      <m:sub>
+                        <m:r>
+                          <a:rPr lang="en-US" i="1">
+                            <a:latin typeface="Cambria Math" panose="02040503050406030204" pitchFamily="18" charset="0"/>
+                          </a:rPr>
+                          <m:t>𝑠𝑡𝑟𝑎𝑡𝑖𝑓𝑖𝑒𝑑</m:t>
+                        </m:r>
+                        <m:r>
+                          <a:rPr lang="en-US" b="0" i="1" smtClean="0">
+                            <a:latin typeface="Cambria Math" panose="02040503050406030204" pitchFamily="18" charset="0"/>
+                          </a:rPr>
+                          <m:t>, 1</m:t>
+                        </m:r>
+                      </m:sub>
+                    </m:sSub>
+                  </m:oMath>
+                </a14:m>
+                <a:endParaRPr lang="en-US" dirty="0"/>
+              </a:p>
+              <a:p>
+                <a:pPr lvl="1"/>
+                <a:endParaRPr lang="en-US" dirty="0"/>
+              </a:p>
+              <a:p>
+                <a:r>
+                  <a:rPr lang="en-US" dirty="0"/>
+                  <a:t>Strategy 2:</a:t>
+                </a:r>
+              </a:p>
+              <a:p>
+                <a:pPr lvl="1"/>
+                <a:r>
+                  <a:rPr lang="en-US" dirty="0"/>
+                  <a:t>Simple randomization</a:t>
+                </a:r>
+              </a:p>
+              <a:p>
+                <a:pPr lvl="1"/>
+                <a:r>
+                  <a:rPr lang="en-US" dirty="0"/>
+                  <a:t>Using GLM with all treatment-by-strata interactions</a:t>
+                </a:r>
+              </a:p>
+              <a:p>
+                <a:pPr lvl="1"/>
+                <a14:m>
+                  <m:oMath xmlns:m="http://schemas.openxmlformats.org/officeDocument/2006/math">
+                    <m:sSub>
+                      <m:sSubPr>
+                        <m:ctrlPr>
+                          <a:rPr lang="en-US" i="1">
+                            <a:latin typeface="Cambria Math" panose="02040503050406030204" pitchFamily="18" charset="0"/>
+                          </a:rPr>
+                        </m:ctrlPr>
+                      </m:sSubPr>
+                      <m:e>
+                        <m:r>
+                          <a:rPr lang="en-US" i="1">
+                            <a:latin typeface="Cambria Math" panose="02040503050406030204" pitchFamily="18" charset="0"/>
+                          </a:rPr>
+                          <m:t>𝑉</m:t>
+                        </m:r>
+                      </m:e>
+                      <m:sub>
+                        <m:r>
+                          <a:rPr lang="en-US" i="1">
+                            <a:latin typeface="Cambria Math" panose="02040503050406030204" pitchFamily="18" charset="0"/>
+                          </a:rPr>
+                          <m:t>𝑠𝑖𝑚𝑝𝑙𝑒</m:t>
+                        </m:r>
+                        <m:r>
+                          <a:rPr lang="en-US" i="1">
+                            <a:latin typeface="Cambria Math" panose="02040503050406030204" pitchFamily="18" charset="0"/>
+                          </a:rPr>
+                          <m:t>,</m:t>
+                        </m:r>
+                        <m:r>
+                          <a:rPr lang="en-US" b="0" i="1" smtClean="0">
+                            <a:latin typeface="Cambria Math" panose="02040503050406030204" pitchFamily="18" charset="0"/>
+                          </a:rPr>
+                          <m:t>2</m:t>
+                        </m:r>
+                      </m:sub>
+                    </m:sSub>
+                    <m:r>
+                      <a:rPr lang="en-US" b="0" i="1" smtClean="0">
+                        <a:latin typeface="Cambria Math" panose="02040503050406030204" pitchFamily="18" charset="0"/>
+                      </a:rPr>
+                      <m:t>=</m:t>
+                    </m:r>
+                    <m:sSub>
+                      <m:sSubPr>
+                        <m:ctrlPr>
+                          <a:rPr lang="en-US" i="1">
+                            <a:latin typeface="Cambria Math" panose="02040503050406030204" pitchFamily="18" charset="0"/>
+                          </a:rPr>
+                        </m:ctrlPr>
+                      </m:sSubPr>
+                      <m:e>
+                        <m:r>
+                          <a:rPr lang="en-US" i="1">
+                            <a:latin typeface="Cambria Math" panose="02040503050406030204" pitchFamily="18" charset="0"/>
+                          </a:rPr>
+                          <m:t>𝑉</m:t>
+                        </m:r>
+                      </m:e>
+                      <m:sub>
+                        <m:r>
+                          <a:rPr lang="en-US" i="1">
+                            <a:latin typeface="Cambria Math" panose="02040503050406030204" pitchFamily="18" charset="0"/>
+                          </a:rPr>
+                          <m:t>𝑠𝑡𝑟𝑎𝑡𝑖𝑓𝑖𝑒𝑑</m:t>
+                        </m:r>
+                        <m:r>
+                          <a:rPr lang="en-US" i="1">
+                            <a:latin typeface="Cambria Math" panose="02040503050406030204" pitchFamily="18" charset="0"/>
+                          </a:rPr>
+                          <m:t>, </m:t>
+                        </m:r>
+                        <m:r>
+                          <a:rPr lang="en-US" b="0" i="1" smtClean="0">
+                            <a:latin typeface="Cambria Math" panose="02040503050406030204" pitchFamily="18" charset="0"/>
+                          </a:rPr>
+                          <m:t>2</m:t>
+                        </m:r>
+                      </m:sub>
+                    </m:sSub>
+                    <m:r>
+                      <a:rPr lang="en-US" b="0" i="1" smtClean="0">
+                        <a:latin typeface="Cambria Math" panose="02040503050406030204" pitchFamily="18" charset="0"/>
+                      </a:rPr>
+                      <m:t>=</m:t>
+                    </m:r>
+                    <m:sSub>
+                      <m:sSubPr>
+                        <m:ctrlPr>
+                          <a:rPr lang="en-US" i="1">
+                            <a:latin typeface="Cambria Math" panose="02040503050406030204" pitchFamily="18" charset="0"/>
+                          </a:rPr>
+                        </m:ctrlPr>
+                      </m:sSubPr>
+                      <m:e>
+                        <m:r>
+                          <a:rPr lang="en-US" i="1">
+                            <a:latin typeface="Cambria Math" panose="02040503050406030204" pitchFamily="18" charset="0"/>
+                          </a:rPr>
+                          <m:t>𝑉</m:t>
+                        </m:r>
+                      </m:e>
+                      <m:sub>
+                        <m:r>
+                          <a:rPr lang="en-US" i="1">
+                            <a:latin typeface="Cambria Math" panose="02040503050406030204" pitchFamily="18" charset="0"/>
+                          </a:rPr>
+                          <m:t>𝑠𝑡𝑟𝑎𝑡𝑖𝑓𝑖𝑒𝑑</m:t>
+                        </m:r>
+                        <m:r>
+                          <a:rPr lang="en-US" i="1">
+                            <a:latin typeface="Cambria Math" panose="02040503050406030204" pitchFamily="18" charset="0"/>
+                          </a:rPr>
+                          <m:t>, 1</m:t>
+                        </m:r>
+                      </m:sub>
+                    </m:sSub>
+                  </m:oMath>
+                </a14:m>
+                <a:endParaRPr lang="en-US" dirty="0"/>
+              </a:p>
+              <a:p>
+                <a:pPr lvl="1"/>
+                <a:endParaRPr lang="en-US" dirty="0"/>
+              </a:p>
+              <a:p>
+                <a:r>
+                  <a:rPr lang="en-US" dirty="0"/>
+                  <a:t>Trade-off</a:t>
+                </a:r>
+              </a:p>
+              <a:p>
+                <a:pPr lvl="1"/>
+                <a:r>
+                  <a:rPr lang="en-US" dirty="0"/>
+                  <a:t>Operational cost for stratified randomization</a:t>
+                </a:r>
+              </a:p>
+              <a:p>
+                <a:pPr lvl="1"/>
+                <a:r>
+                  <a:rPr lang="en-US" dirty="0"/>
+                  <a:t>Degrees of freedom cost for covariate adjustment</a:t>
+                </a:r>
+              </a:p>
+            </p:txBody>
+          </p:sp>
+        </mc:Choice>
+        <mc:Fallback>
+          <p:sp>
+            <p:nvSpPr>
+              <p:cNvPr id="5" name="Subtitle 4"/>
+              <p:cNvSpPr>
+                <a:spLocks noGrp="1" noRot="1" noChangeAspect="1" noMove="1" noResize="1" noEditPoints="1" noAdjustHandles="1" noChangeArrowheads="1" noChangeShapeType="1" noTextEdit="1"/>
+              </p:cNvSpPr>
+              <p:nvPr>
+                <p:ph sz="quarter" idx="13"/>
+              </p:nvPr>
+            </p:nvSpPr>
+            <p:spPr>
+              <a:xfrm>
+                <a:off x="533400" y="1295400"/>
+                <a:ext cx="7772400" cy="5181600"/>
+              </a:xfrm>
+              <a:blipFill>
+                <a:blip r:embed="rId2"/>
+                <a:stretch>
+                  <a:fillRect l="-1958" t="-733" b="-1956"/>
+                </a:stretch>
+              </a:blipFill>
+            </p:spPr>
+            <p:txBody>
+              <a:bodyPr/>
+              <a:lstStyle/>
+              <a:p>
+                <a:r>
+                  <a:rPr lang="en-US">
+                    <a:noFill/>
+                  </a:rPr>
+                  <a:t> </a:t>
+                </a:r>
+              </a:p>
+            </p:txBody>
+          </p:sp>
+        </mc:Fallback>
+      </mc:AlternateContent>
+      <p:sp>
+        <p:nvSpPr>
+          <p:cNvPr id="8" name="Rounded Rectangle 7">
+            <a:extLst>
+              <a:ext uri="{FF2B5EF4-FFF2-40B4-BE49-F238E27FC236}">
+                <a16:creationId xmlns:a16="http://schemas.microsoft.com/office/drawing/2014/main" id="{0B37AC2C-EED1-0D44-B729-9FDA386A43C5}"/>
+              </a:ext>
+            </a:extLst>
+          </p:cNvPr>
+          <p:cNvSpPr/>
+          <p:nvPr/>
+        </p:nvSpPr>
+        <p:spPr>
+          <a:xfrm>
+            <a:off x="6934200" y="5943600"/>
+            <a:ext cx="1752600" cy="533400"/>
+          </a:xfrm>
+          <a:prstGeom prst="roundRect">
+            <a:avLst/>
+          </a:prstGeom>
+          <a:solidFill>
+            <a:schemeClr val="bg1"/>
+          </a:solidFill>
+          <a:ln>
+            <a:noFill/>
+          </a:ln>
+        </p:spPr>
+        <p:style>
+          <a:lnRef idx="2">
+            <a:schemeClr val="accent1">
+              <a:shade val="50000"/>
+            </a:schemeClr>
+          </a:lnRef>
+          <a:fillRef idx="1">
+            <a:schemeClr val="accent1"/>
+          </a:fillRef>
+          <a:effectRef idx="0">
+            <a:schemeClr val="accent1"/>
+          </a:effectRef>
+          <a:fontRef idx="minor">
+            <a:schemeClr val="lt1"/>
+          </a:fontRef>
+        </p:style>
+        <p:txBody>
+          <a:bodyPr rtlCol="0" anchor="ctr"/>
+          <a:lstStyle/>
+          <a:p>
+            <a:pPr algn="ctr"/>
+            <a:endParaRPr lang="en-US"/>
+          </a:p>
+        </p:txBody>
+      </p:sp>
+      <p:sp>
+        <p:nvSpPr>
+          <p:cNvPr id="6" name="Slide Number Placeholder 5">
+            <a:extLst>
+              <a:ext uri="{FF2B5EF4-FFF2-40B4-BE49-F238E27FC236}">
+                <a16:creationId xmlns:a16="http://schemas.microsoft.com/office/drawing/2014/main" id="{7251577A-9B81-7847-A401-627CFE183316}"/>
+              </a:ext>
+            </a:extLst>
+          </p:cNvPr>
+          <p:cNvSpPr>
+            <a:spLocks noGrp="1"/>
+          </p:cNvSpPr>
+          <p:nvPr>
+            <p:ph type="sldNum" sz="quarter" idx="4"/>
+          </p:nvPr>
+        </p:nvSpPr>
+        <p:spPr/>
+        <p:txBody>
+          <a:bodyPr/>
+          <a:lstStyle/>
+          <a:p>
+            <a:pPr defTabSz="1149350">
+              <a:tabLst/>
+            </a:pPr>
+            <a:fld id="{0499C290-51E0-41BB-9934-58A3D372F678}" type="slidenum">
+              <a:rPr lang="en-US" smtClean="0"/>
+              <a:pPr defTabSz="1149350">
+                <a:tabLst/>
+              </a:pPr>
+              <a:t>40</a:t>
+            </a:fld>
+            <a:endParaRPr lang="en-US"/>
+          </a:p>
+        </p:txBody>
+      </p:sp>
+    </p:spTree>
+    <p:extLst>
+      <p:ext uri="{BB962C8B-B14F-4D97-AF65-F5344CB8AC3E}">
+        <p14:creationId xmlns:p14="http://schemas.microsoft.com/office/powerpoint/2010/main" val="4079970777"/>
+      </p:ext>
+    </p:extLst>
+  </p:cSld>
+  <p:clrMapOvr>
+    <a:masterClrMapping/>
+  </p:clrMapOvr>
+</p:sld>
+</file>
+
+<file path=ppt/slides/slide41.xml><?xml version="1.0" encoding="utf-8"?>
+<p:sld xmlns:a="http://schemas.openxmlformats.org/drawingml/2006/main" xmlns:r="http://schemas.openxmlformats.org/officeDocument/2006/relationships" xmlns:p="http://schemas.openxmlformats.org/presentationml/2006/main">
+  <p:cSld>
+    <p:spTree>
+      <p:nvGrpSpPr>
+        <p:cNvPr id="1" name=""/>
+        <p:cNvGrpSpPr/>
+        <p:nvPr/>
+      </p:nvGrpSpPr>
+      <p:grpSpPr>
+        <a:xfrm>
+          <a:off x="0" y="0"/>
+          <a:ext cx="0" cy="0"/>
+          <a:chOff x="0" y="0"/>
+          <a:chExt cx="0" cy="0"/>
+        </a:xfrm>
+      </p:grpSpPr>
+      <p:sp>
+        <p:nvSpPr>
+          <p:cNvPr id="2" name="Title 1"/>
+          <p:cNvSpPr>
+            <a:spLocks noGrp="1"/>
+          </p:cNvSpPr>
+          <p:nvPr>
+            <p:ph type="title"/>
+          </p:nvPr>
+        </p:nvSpPr>
+        <p:spPr/>
+        <p:txBody>
+          <a:bodyPr/>
+          <a:lstStyle/>
+          <a:p>
+            <a:pPr>
+              <a:lnSpc>
+                <a:spcPct val="114000"/>
+              </a:lnSpc>
+            </a:pPr>
+            <a:r>
+              <a:rPr lang="en-US" dirty="0"/>
+              <a:t>Question 1</a:t>
+            </a:r>
+          </a:p>
+        </p:txBody>
+      </p:sp>
+      <p:sp>
+        <p:nvSpPr>
+          <p:cNvPr id="5" name="Subtitle 4"/>
+          <p:cNvSpPr>
+            <a:spLocks noGrp="1"/>
+          </p:cNvSpPr>
+          <p:nvPr>
+            <p:ph sz="quarter" idx="13"/>
+          </p:nvPr>
+        </p:nvSpPr>
+        <p:spPr>
+          <a:xfrm>
+            <a:off x="533400" y="1295400"/>
+            <a:ext cx="7772400" cy="4419600"/>
+          </a:xfrm>
+        </p:spPr>
+        <p:txBody>
+          <a:bodyPr/>
+          <a:lstStyle/>
+          <a:p>
+            <a:r>
+              <a:rPr lang="en-US" dirty="0"/>
+              <a:t>Could you explain the role of interaction terms in the results (Corollary 1): no interaction, interaction with randomization strata, or interaction with all covariates?</a:t>
+            </a:r>
+          </a:p>
+          <a:p>
+            <a:endParaRPr lang="en-US" dirty="0"/>
+          </a:p>
+          <a:p>
+            <a:endParaRPr lang="en-US" dirty="0"/>
+          </a:p>
+          <a:p>
+            <a:endParaRPr lang="en-US" dirty="0"/>
+          </a:p>
+          <a:p>
+            <a:endParaRPr lang="en-US" dirty="0"/>
+          </a:p>
+          <a:p>
+            <a:endParaRPr lang="en-US" dirty="0"/>
+          </a:p>
+          <a:p>
+            <a:r>
+              <a:rPr lang="en-US" dirty="0"/>
+              <a:t>In addition, interaction with all covariates has the smallest variance.</a:t>
+            </a:r>
+          </a:p>
+          <a:p>
+            <a:endParaRPr lang="en-US" dirty="0"/>
+          </a:p>
+        </p:txBody>
+      </p:sp>
+      <p:sp>
+        <p:nvSpPr>
+          <p:cNvPr id="8" name="Rounded Rectangle 7">
+            <a:extLst>
+              <a:ext uri="{FF2B5EF4-FFF2-40B4-BE49-F238E27FC236}">
+                <a16:creationId xmlns:a16="http://schemas.microsoft.com/office/drawing/2014/main" id="{0B37AC2C-EED1-0D44-B729-9FDA386A43C5}"/>
+              </a:ext>
+            </a:extLst>
+          </p:cNvPr>
+          <p:cNvSpPr/>
+          <p:nvPr/>
+        </p:nvSpPr>
+        <p:spPr>
+          <a:xfrm>
+            <a:off x="6934200" y="5943600"/>
+            <a:ext cx="1752600" cy="533400"/>
+          </a:xfrm>
+          <a:prstGeom prst="roundRect">
+            <a:avLst/>
+          </a:prstGeom>
+          <a:solidFill>
+            <a:schemeClr val="bg1"/>
+          </a:solidFill>
+          <a:ln>
+            <a:noFill/>
+          </a:ln>
+        </p:spPr>
+        <p:style>
+          <a:lnRef idx="2">
+            <a:schemeClr val="accent1">
+              <a:shade val="50000"/>
+            </a:schemeClr>
+          </a:lnRef>
+          <a:fillRef idx="1">
+            <a:schemeClr val="accent1"/>
+          </a:fillRef>
+          <a:effectRef idx="0">
+            <a:schemeClr val="accent1"/>
+          </a:effectRef>
+          <a:fontRef idx="minor">
+            <a:schemeClr val="lt1"/>
+          </a:fontRef>
+        </p:style>
+        <p:txBody>
+          <a:bodyPr rtlCol="0" anchor="ctr"/>
+          <a:lstStyle/>
+          <a:p>
+            <a:pPr algn="ctr"/>
+            <a:endParaRPr lang="en-US"/>
+          </a:p>
+        </p:txBody>
+      </p:sp>
+      <p:sp>
+        <p:nvSpPr>
+          <p:cNvPr id="6" name="Slide Number Placeholder 5">
+            <a:extLst>
+              <a:ext uri="{FF2B5EF4-FFF2-40B4-BE49-F238E27FC236}">
+                <a16:creationId xmlns:a16="http://schemas.microsoft.com/office/drawing/2014/main" id="{7251577A-9B81-7847-A401-627CFE183316}"/>
+              </a:ext>
+            </a:extLst>
+          </p:cNvPr>
+          <p:cNvSpPr>
+            <a:spLocks noGrp="1"/>
+          </p:cNvSpPr>
+          <p:nvPr>
+            <p:ph type="sldNum" sz="quarter" idx="4"/>
+          </p:nvPr>
+        </p:nvSpPr>
+        <p:spPr/>
+        <p:txBody>
+          <a:bodyPr/>
+          <a:lstStyle/>
+          <a:p>
+            <a:pPr defTabSz="1149350">
+              <a:tabLst/>
+            </a:pPr>
+            <a:fld id="{0499C290-51E0-41BB-9934-58A3D372F678}" type="slidenum">
+              <a:rPr lang="en-US" smtClean="0"/>
+              <a:pPr defTabSz="1149350">
+                <a:tabLst/>
+              </a:pPr>
+              <a:t>41</a:t>
+            </a:fld>
+            <a:endParaRPr lang="en-US"/>
+          </a:p>
+        </p:txBody>
+      </p:sp>
+      <mc:AlternateContent xmlns:mc="http://schemas.openxmlformats.org/markup-compatibility/2006">
+        <mc:Choice xmlns:a14="http://schemas.microsoft.com/office/drawing/2010/main" Requires="a14">
+          <p:graphicFrame>
+            <p:nvGraphicFramePr>
+              <p:cNvPr id="3" name="Table 3">
+                <a:extLst>
+                  <a:ext uri="{FF2B5EF4-FFF2-40B4-BE49-F238E27FC236}">
+                    <a16:creationId xmlns:a16="http://schemas.microsoft.com/office/drawing/2014/main" id="{BE6EF62B-97B6-1C46-938C-3DAAD14B5045}"/>
+                  </a:ext>
+                </a:extLst>
+              </p:cNvPr>
+              <p:cNvGraphicFramePr>
+                <a:graphicFrameLocks noGrp="1"/>
+              </p:cNvGraphicFramePr>
+              <p:nvPr>
+                <p:extLst>
+                  <p:ext uri="{D42A27DB-BD31-4B8C-83A1-F6EECF244321}">
+                    <p14:modId xmlns:p14="http://schemas.microsoft.com/office/powerpoint/2010/main" val="147873611"/>
+                  </p:ext>
+                </p:extLst>
+              </p:nvPr>
+            </p:nvGraphicFramePr>
+            <p:xfrm>
+              <a:off x="1318382" y="2898891"/>
+              <a:ext cx="6202436" cy="1534225"/>
+            </p:xfrm>
+            <a:graphic>
+              <a:graphicData uri="http://schemas.openxmlformats.org/drawingml/2006/table">
+                <a:tbl>
+                  <a:tblPr firstRow="1" bandRow="1">
+                    <a:tableStyleId>{5C22544A-7EE6-4342-B048-85BDC9FD1C3A}</a:tableStyleId>
+                  </a:tblPr>
+                  <a:tblGrid>
+                    <a:gridCol w="3692589">
+                      <a:extLst>
+                        <a:ext uri="{9D8B030D-6E8A-4147-A177-3AD203B41FA5}">
+                          <a16:colId xmlns:a16="http://schemas.microsoft.com/office/drawing/2014/main" val="705869450"/>
+                        </a:ext>
+                      </a:extLst>
+                    </a:gridCol>
+                    <a:gridCol w="2509847">
+                      <a:extLst>
+                        <a:ext uri="{9D8B030D-6E8A-4147-A177-3AD203B41FA5}">
+                          <a16:colId xmlns:a16="http://schemas.microsoft.com/office/drawing/2014/main" val="3396743145"/>
+                        </a:ext>
+                      </a:extLst>
+                    </a:gridCol>
+                  </a:tblGrid>
+                  <a:tr h="370840">
+                    <a:tc>
+                      <a:txBody>
+                        <a:bodyPr/>
+                        <a:lstStyle/>
+                        <a:p>
+                          <a:r>
+                            <a:rPr lang="en-US" dirty="0"/>
+                            <a:t>Model</a:t>
+                          </a:r>
+                        </a:p>
+                      </a:txBody>
+                      <a:tcPr/>
+                    </a:tc>
+                    <a:tc>
+                      <a:txBody>
+                        <a:bodyPr/>
+                        <a:lstStyle/>
+                        <a:p>
+                          <a:r>
+                            <a:rPr lang="en-US" dirty="0"/>
+                            <a:t>Result</a:t>
+                          </a:r>
+                        </a:p>
+                      </a:txBody>
+                      <a:tcPr/>
+                    </a:tc>
+                    <a:extLst>
+                      <a:ext uri="{0D108BD9-81ED-4DB2-BD59-A6C34878D82A}">
+                        <a16:rowId xmlns:a16="http://schemas.microsoft.com/office/drawing/2014/main" val="532154782"/>
+                      </a:ext>
+                    </a:extLst>
+                  </a:tr>
+                  <a:tr h="370840">
+                    <a:tc>
+                      <a:txBody>
+                        <a:bodyPr/>
+                        <a:lstStyle/>
+                        <a:p>
+                          <a:r>
+                            <a:rPr lang="en-US" dirty="0"/>
+                            <a:t>No interaction</a:t>
+                          </a:r>
+                        </a:p>
+                      </a:txBody>
+                      <a:tcPr/>
+                    </a:tc>
+                    <a:tc>
+                      <a:txBody>
+                        <a:bodyPr/>
+                        <a:lstStyle/>
+                        <a:p>
+                          <a14:m>
+                            <m:oMathPara xmlns:m="http://schemas.openxmlformats.org/officeDocument/2006/math">
+                              <m:oMathParaPr>
+                                <m:jc m:val="centerGroup"/>
+                              </m:oMathParaPr>
+                              <m:oMath xmlns:m="http://schemas.openxmlformats.org/officeDocument/2006/math">
+                                <m:sSub>
+                                  <m:sSubPr>
+                                    <m:ctrlPr>
+                                      <a:rPr lang="en-US" i="1" smtClean="0">
+                                        <a:latin typeface="Cambria Math" panose="02040503050406030204" pitchFamily="18" charset="0"/>
+                                      </a:rPr>
+                                    </m:ctrlPr>
+                                  </m:sSubPr>
+                                  <m:e>
+                                    <m:r>
+                                      <a:rPr lang="en-US" i="1">
+                                        <a:latin typeface="Cambria Math" panose="02040503050406030204" pitchFamily="18" charset="0"/>
+                                      </a:rPr>
+                                      <m:t>𝑉</m:t>
+                                    </m:r>
+                                  </m:e>
+                                  <m:sub>
+                                    <m:r>
+                                      <a:rPr lang="en-US" i="1">
+                                        <a:latin typeface="Cambria Math" panose="02040503050406030204" pitchFamily="18" charset="0"/>
+                                      </a:rPr>
+                                      <m:t>𝑠𝑖𝑚𝑝𝑙𝑒</m:t>
+                                    </m:r>
+                                  </m:sub>
+                                </m:sSub>
+                                <m:r>
+                                  <a:rPr lang="en-US" b="0" i="1" smtClean="0">
+                                    <a:latin typeface="Cambria Math" panose="02040503050406030204" pitchFamily="18" charset="0"/>
+                                  </a:rPr>
+                                  <m:t>≥</m:t>
+                                </m:r>
+                                <m:sSub>
+                                  <m:sSubPr>
+                                    <m:ctrlPr>
+                                      <a:rPr lang="en-US" i="1">
+                                        <a:latin typeface="Cambria Math" panose="02040503050406030204" pitchFamily="18" charset="0"/>
+                                      </a:rPr>
+                                    </m:ctrlPr>
+                                  </m:sSubPr>
+                                  <m:e>
+                                    <m:r>
+                                      <a:rPr lang="en-US" i="1">
+                                        <a:latin typeface="Cambria Math" panose="02040503050406030204" pitchFamily="18" charset="0"/>
+                                      </a:rPr>
+                                      <m:t>𝑉</m:t>
+                                    </m:r>
+                                  </m:e>
+                                  <m:sub>
+                                    <m:r>
+                                      <a:rPr lang="en-US" i="1">
+                                        <a:latin typeface="Cambria Math" panose="02040503050406030204" pitchFamily="18" charset="0"/>
+                                      </a:rPr>
+                                      <m:t>𝑠𝑡𝑟𝑎𝑡𝑖𝑓𝑖𝑒𝑑</m:t>
+                                    </m:r>
+                                  </m:sub>
+                                </m:sSub>
+                              </m:oMath>
+                            </m:oMathPara>
+                          </a14:m>
+                          <a:endParaRPr lang="en-US" dirty="0"/>
+                        </a:p>
+                      </a:txBody>
+                      <a:tcPr/>
+                    </a:tc>
+                    <a:extLst>
+                      <a:ext uri="{0D108BD9-81ED-4DB2-BD59-A6C34878D82A}">
+                        <a16:rowId xmlns:a16="http://schemas.microsoft.com/office/drawing/2014/main" val="374203215"/>
+                      </a:ext>
+                    </a:extLst>
+                  </a:tr>
+                  <a:tr h="370840">
+                    <a:tc>
+                      <a:txBody>
+                        <a:bodyPr/>
+                        <a:lstStyle/>
+                        <a:p>
+                          <a:r>
+                            <a:rPr lang="en-US" dirty="0"/>
+                            <a:t>Interaction with randomization strata</a:t>
+                          </a:r>
+                        </a:p>
+                      </a:txBody>
+                      <a:tcPr/>
+                    </a:tc>
+                    <a:tc>
+                      <a:txBody>
+                        <a:bodyPr/>
+                        <a:lstStyle/>
+                        <a:p>
+                          <a14:m>
+                            <m:oMathPara xmlns:m="http://schemas.openxmlformats.org/officeDocument/2006/math">
+                              <m:oMathParaPr>
+                                <m:jc m:val="centerGroup"/>
+                              </m:oMathParaPr>
+                              <m:oMath xmlns:m="http://schemas.openxmlformats.org/officeDocument/2006/math">
+                                <m:sSub>
+                                  <m:sSubPr>
+                                    <m:ctrlPr>
+                                      <a:rPr lang="en-US" i="1" smtClean="0">
+                                        <a:latin typeface="Cambria Math" panose="02040503050406030204" pitchFamily="18" charset="0"/>
+                                      </a:rPr>
+                                    </m:ctrlPr>
+                                  </m:sSubPr>
+                                  <m:e>
+                                    <m:r>
+                                      <a:rPr lang="en-US" i="1">
+                                        <a:latin typeface="Cambria Math" panose="02040503050406030204" pitchFamily="18" charset="0"/>
+                                      </a:rPr>
+                                      <m:t>𝑉</m:t>
+                                    </m:r>
+                                  </m:e>
+                                  <m:sub>
+                                    <m:r>
+                                      <a:rPr lang="en-US" i="1">
+                                        <a:latin typeface="Cambria Math" panose="02040503050406030204" pitchFamily="18" charset="0"/>
+                                      </a:rPr>
+                                      <m:t>𝑠𝑖𝑚𝑝𝑙𝑒</m:t>
+                                    </m:r>
+                                  </m:sub>
+                                </m:sSub>
+                                <m:r>
+                                  <a:rPr lang="en-US" b="0" i="1" smtClean="0">
+                                    <a:latin typeface="Cambria Math" panose="02040503050406030204" pitchFamily="18" charset="0"/>
+                                  </a:rPr>
+                                  <m:t>=</m:t>
+                                </m:r>
+                                <m:sSub>
+                                  <m:sSubPr>
+                                    <m:ctrlPr>
+                                      <a:rPr lang="en-US" i="1">
+                                        <a:latin typeface="Cambria Math" panose="02040503050406030204" pitchFamily="18" charset="0"/>
+                                      </a:rPr>
+                                    </m:ctrlPr>
+                                  </m:sSubPr>
+                                  <m:e>
+                                    <m:r>
+                                      <a:rPr lang="en-US" i="1">
+                                        <a:latin typeface="Cambria Math" panose="02040503050406030204" pitchFamily="18" charset="0"/>
+                                      </a:rPr>
+                                      <m:t>𝑉</m:t>
+                                    </m:r>
+                                  </m:e>
+                                  <m:sub>
+                                    <m:r>
+                                      <a:rPr lang="en-US" i="1">
+                                        <a:latin typeface="Cambria Math" panose="02040503050406030204" pitchFamily="18" charset="0"/>
+                                      </a:rPr>
+                                      <m:t>𝑠𝑡𝑟𝑎𝑡𝑖𝑓𝑖𝑒𝑑</m:t>
+                                    </m:r>
+                                  </m:sub>
+                                </m:sSub>
+                              </m:oMath>
+                            </m:oMathPara>
+                          </a14:m>
+                          <a:endParaRPr lang="en-US" dirty="0"/>
+                        </a:p>
+                      </a:txBody>
+                      <a:tcPr/>
+                    </a:tc>
+                    <a:extLst>
+                      <a:ext uri="{0D108BD9-81ED-4DB2-BD59-A6C34878D82A}">
+                        <a16:rowId xmlns:a16="http://schemas.microsoft.com/office/drawing/2014/main" val="774670673"/>
+                      </a:ext>
+                    </a:extLst>
+                  </a:tr>
+                  <a:tr h="370840">
+                    <a:tc>
+                      <a:txBody>
+                        <a:bodyPr/>
+                        <a:lstStyle/>
+                        <a:p>
+                          <a:r>
+                            <a:rPr lang="en-US" dirty="0"/>
+                            <a:t>Interaction with all covariates</a:t>
+                          </a:r>
+                        </a:p>
+                      </a:txBody>
+                      <a:tcPr/>
+                    </a:tc>
+                    <a:tc>
+                      <a:txBody>
+                        <a:bodyPr/>
+                        <a:lstStyle/>
+                        <a:p>
+                          <a14:m>
+                            <m:oMathPara xmlns:m="http://schemas.openxmlformats.org/officeDocument/2006/math">
+                              <m:oMathParaPr>
+                                <m:jc m:val="centerGroup"/>
+                              </m:oMathParaPr>
+                              <m:oMath xmlns:m="http://schemas.openxmlformats.org/officeDocument/2006/math">
+                                <m:sSub>
+                                  <m:sSubPr>
+                                    <m:ctrlPr>
+                                      <a:rPr lang="en-US" i="1" smtClean="0">
+                                        <a:latin typeface="Cambria Math" panose="02040503050406030204" pitchFamily="18" charset="0"/>
+                                      </a:rPr>
+                                    </m:ctrlPr>
+                                  </m:sSubPr>
+                                  <m:e>
+                                    <m:r>
+                                      <a:rPr lang="en-US" i="1">
+                                        <a:latin typeface="Cambria Math" panose="02040503050406030204" pitchFamily="18" charset="0"/>
+                                      </a:rPr>
+                                      <m:t>𝑉</m:t>
+                                    </m:r>
+                                  </m:e>
+                                  <m:sub>
+                                    <m:r>
+                                      <a:rPr lang="en-US" i="1">
+                                        <a:latin typeface="Cambria Math" panose="02040503050406030204" pitchFamily="18" charset="0"/>
+                                      </a:rPr>
+                                      <m:t>𝑠𝑖𝑚𝑝𝑙𝑒</m:t>
+                                    </m:r>
+                                  </m:sub>
+                                </m:sSub>
+                                <m:r>
+                                  <a:rPr lang="en-US" b="0" i="1" smtClean="0">
+                                    <a:latin typeface="Cambria Math" panose="02040503050406030204" pitchFamily="18" charset="0"/>
+                                  </a:rPr>
+                                  <m:t>=</m:t>
+                                </m:r>
+                                <m:sSub>
+                                  <m:sSubPr>
+                                    <m:ctrlPr>
+                                      <a:rPr lang="en-US" i="1">
+                                        <a:latin typeface="Cambria Math" panose="02040503050406030204" pitchFamily="18" charset="0"/>
+                                      </a:rPr>
+                                    </m:ctrlPr>
+                                  </m:sSubPr>
+                                  <m:e>
+                                    <m:r>
+                                      <a:rPr lang="en-US" i="1">
+                                        <a:latin typeface="Cambria Math" panose="02040503050406030204" pitchFamily="18" charset="0"/>
+                                      </a:rPr>
+                                      <m:t>𝑉</m:t>
+                                    </m:r>
+                                  </m:e>
+                                  <m:sub>
+                                    <m:r>
+                                      <a:rPr lang="en-US" i="1">
+                                        <a:latin typeface="Cambria Math" panose="02040503050406030204" pitchFamily="18" charset="0"/>
+                                      </a:rPr>
+                                      <m:t>𝑠𝑡𝑟𝑎𝑡𝑖𝑓𝑖𝑒𝑑</m:t>
+                                    </m:r>
+                                  </m:sub>
+                                </m:sSub>
+                              </m:oMath>
+                            </m:oMathPara>
+                          </a14:m>
+                          <a:endParaRPr lang="en-US" dirty="0"/>
+                        </a:p>
+                      </a:txBody>
+                      <a:tcPr/>
+                    </a:tc>
+                    <a:extLst>
+                      <a:ext uri="{0D108BD9-81ED-4DB2-BD59-A6C34878D82A}">
+                        <a16:rowId xmlns:a16="http://schemas.microsoft.com/office/drawing/2014/main" val="123029553"/>
+                      </a:ext>
+                    </a:extLst>
+                  </a:tr>
+                </a:tbl>
+              </a:graphicData>
+            </a:graphic>
+          </p:graphicFrame>
+        </mc:Choice>
+        <mc:Fallback>
+          <p:graphicFrame>
+            <p:nvGraphicFramePr>
+              <p:cNvPr id="3" name="Table 3">
+                <a:extLst>
+                  <a:ext uri="{FF2B5EF4-FFF2-40B4-BE49-F238E27FC236}">
+                    <a16:creationId xmlns:a16="http://schemas.microsoft.com/office/drawing/2014/main" id="{BE6EF62B-97B6-1C46-938C-3DAAD14B5045}"/>
+                  </a:ext>
+                </a:extLst>
+              </p:cNvPr>
+              <p:cNvGraphicFramePr>
+                <a:graphicFrameLocks noGrp="1"/>
+              </p:cNvGraphicFramePr>
+              <p:nvPr>
+                <p:extLst>
+                  <p:ext uri="{D42A27DB-BD31-4B8C-83A1-F6EECF244321}">
+                    <p14:modId xmlns:p14="http://schemas.microsoft.com/office/powerpoint/2010/main" val="147873611"/>
+                  </p:ext>
+                </p:extLst>
+              </p:nvPr>
+            </p:nvGraphicFramePr>
+            <p:xfrm>
+              <a:off x="1318382" y="2898891"/>
+              <a:ext cx="6202436" cy="1534225"/>
+            </p:xfrm>
+            <a:graphic>
+              <a:graphicData uri="http://schemas.openxmlformats.org/drawingml/2006/table">
+                <a:tbl>
+                  <a:tblPr firstRow="1" bandRow="1">
+                    <a:tableStyleId>{5C22544A-7EE6-4342-B048-85BDC9FD1C3A}</a:tableStyleId>
+                  </a:tblPr>
+                  <a:tblGrid>
+                    <a:gridCol w="3692589">
+                      <a:extLst>
+                        <a:ext uri="{9D8B030D-6E8A-4147-A177-3AD203B41FA5}">
+                          <a16:colId xmlns:a16="http://schemas.microsoft.com/office/drawing/2014/main" val="705869450"/>
+                        </a:ext>
+                      </a:extLst>
+                    </a:gridCol>
+                    <a:gridCol w="2509847">
+                      <a:extLst>
+                        <a:ext uri="{9D8B030D-6E8A-4147-A177-3AD203B41FA5}">
+                          <a16:colId xmlns:a16="http://schemas.microsoft.com/office/drawing/2014/main" val="3396743145"/>
+                        </a:ext>
+                      </a:extLst>
+                    </a:gridCol>
+                  </a:tblGrid>
+                  <a:tr h="370840">
+                    <a:tc>
+                      <a:txBody>
+                        <a:bodyPr/>
+                        <a:lstStyle/>
+                        <a:p>
+                          <a:r>
+                            <a:rPr lang="en-US" dirty="0"/>
+                            <a:t>Model</a:t>
+                          </a:r>
+                        </a:p>
+                      </a:txBody>
+                      <a:tcPr/>
+                    </a:tc>
+                    <a:tc>
+                      <a:txBody>
+                        <a:bodyPr/>
+                        <a:lstStyle/>
+                        <a:p>
+                          <a:r>
+                            <a:rPr lang="en-US" dirty="0"/>
+                            <a:t>Result</a:t>
+                          </a:r>
+                        </a:p>
+                      </a:txBody>
+                      <a:tcPr/>
+                    </a:tc>
+                    <a:extLst>
+                      <a:ext uri="{0D108BD9-81ED-4DB2-BD59-A6C34878D82A}">
+                        <a16:rowId xmlns:a16="http://schemas.microsoft.com/office/drawing/2014/main" val="532154782"/>
+                      </a:ext>
+                    </a:extLst>
+                  </a:tr>
+                  <a:tr h="387795">
+                    <a:tc>
+                      <a:txBody>
+                        <a:bodyPr/>
+                        <a:lstStyle/>
+                        <a:p>
+                          <a:r>
+                            <a:rPr lang="en-US" dirty="0"/>
+                            <a:t>No interaction</a:t>
+                          </a:r>
+                        </a:p>
+                      </a:txBody>
+                      <a:tcPr/>
+                    </a:tc>
+                    <a:tc>
+                      <a:txBody>
+                        <a:bodyPr/>
+                        <a:lstStyle/>
+                        <a:p>
+                          <a:endParaRPr lang="en-US"/>
+                        </a:p>
+                      </a:txBody>
+                      <a:tcPr>
+                        <a:blipFill>
+                          <a:blip r:embed="rId2"/>
+                          <a:stretch>
+                            <a:fillRect l="-147475" t="-100000" r="-1010" b="-219355"/>
+                          </a:stretch>
+                        </a:blipFill>
+                      </a:tcPr>
+                    </a:tc>
+                    <a:extLst>
+                      <a:ext uri="{0D108BD9-81ED-4DB2-BD59-A6C34878D82A}">
+                        <a16:rowId xmlns:a16="http://schemas.microsoft.com/office/drawing/2014/main" val="374203215"/>
+                      </a:ext>
+                    </a:extLst>
+                  </a:tr>
+                  <a:tr h="387795">
+                    <a:tc>
+                      <a:txBody>
+                        <a:bodyPr/>
+                        <a:lstStyle/>
+                        <a:p>
+                          <a:r>
+                            <a:rPr lang="en-US" dirty="0"/>
+                            <a:t>Interaction with randomization strata</a:t>
+                          </a:r>
+                        </a:p>
+                      </a:txBody>
+                      <a:tcPr/>
+                    </a:tc>
+                    <a:tc>
+                      <a:txBody>
+                        <a:bodyPr/>
+                        <a:lstStyle/>
+                        <a:p>
+                          <a:endParaRPr lang="en-US"/>
+                        </a:p>
+                      </a:txBody>
+                      <a:tcPr>
+                        <a:blipFill>
+                          <a:blip r:embed="rId2"/>
+                          <a:stretch>
+                            <a:fillRect l="-147475" t="-200000" r="-1010" b="-119355"/>
+                          </a:stretch>
+                        </a:blipFill>
+                      </a:tcPr>
+                    </a:tc>
+                    <a:extLst>
+                      <a:ext uri="{0D108BD9-81ED-4DB2-BD59-A6C34878D82A}">
+                        <a16:rowId xmlns:a16="http://schemas.microsoft.com/office/drawing/2014/main" val="774670673"/>
+                      </a:ext>
+                    </a:extLst>
+                  </a:tr>
+                  <a:tr h="387795">
+                    <a:tc>
+                      <a:txBody>
+                        <a:bodyPr/>
+                        <a:lstStyle/>
+                        <a:p>
+                          <a:r>
+                            <a:rPr lang="en-US" dirty="0"/>
+                            <a:t>Interaction with all covariates</a:t>
+                          </a:r>
+                        </a:p>
+                      </a:txBody>
+                      <a:tcPr/>
+                    </a:tc>
+                    <a:tc>
+                      <a:txBody>
+                        <a:bodyPr/>
+                        <a:lstStyle/>
+                        <a:p>
+                          <a:endParaRPr lang="en-US"/>
+                        </a:p>
+                      </a:txBody>
+                      <a:tcPr>
+                        <a:blipFill>
+                          <a:blip r:embed="rId2"/>
+                          <a:stretch>
+                            <a:fillRect l="-147475" t="-300000" r="-1010" b="-19355"/>
+                          </a:stretch>
+                        </a:blipFill>
+                      </a:tcPr>
+                    </a:tc>
+                    <a:extLst>
+                      <a:ext uri="{0D108BD9-81ED-4DB2-BD59-A6C34878D82A}">
+                        <a16:rowId xmlns:a16="http://schemas.microsoft.com/office/drawing/2014/main" val="123029553"/>
+                      </a:ext>
+                    </a:extLst>
+                  </a:tr>
+                </a:tbl>
+              </a:graphicData>
+            </a:graphic>
+          </p:graphicFrame>
+        </mc:Fallback>
+      </mc:AlternateContent>
+    </p:spTree>
+    <p:extLst>
+      <p:ext uri="{BB962C8B-B14F-4D97-AF65-F5344CB8AC3E}">
+        <p14:creationId xmlns:p14="http://schemas.microsoft.com/office/powerpoint/2010/main" val="4050631920"/>
+      </p:ext>
+    </p:extLst>
+  </p:cSld>
+  <p:clrMapOvr>
+    <a:masterClrMapping/>
+  </p:clrMapOvr>
+</p:sld>
+</file>
+
+<file path=ppt/slides/slide42.xml><?xml version="1.0" encoding="utf-8"?>
+<p:sld xmlns:a="http://schemas.openxmlformats.org/drawingml/2006/main" xmlns:r="http://schemas.openxmlformats.org/officeDocument/2006/relationships" xmlns:p="http://schemas.openxmlformats.org/presentationml/2006/main">
+  <p:cSld>
+    <p:spTree>
+      <p:nvGrpSpPr>
+        <p:cNvPr id="1" name=""/>
+        <p:cNvGrpSpPr/>
+        <p:nvPr/>
+      </p:nvGrpSpPr>
+      <p:grpSpPr>
+        <a:xfrm>
+          <a:off x="0" y="0"/>
+          <a:ext cx="0" cy="0"/>
+          <a:chOff x="0" y="0"/>
+          <a:chExt cx="0" cy="0"/>
+        </a:xfrm>
+      </p:grpSpPr>
+      <p:sp>
+        <p:nvSpPr>
+          <p:cNvPr id="8" name="Rounded Rectangle 7">
+            <a:extLst>
+              <a:ext uri="{FF2B5EF4-FFF2-40B4-BE49-F238E27FC236}">
+                <a16:creationId xmlns:a16="http://schemas.microsoft.com/office/drawing/2014/main" id="{0B37AC2C-EED1-0D44-B729-9FDA386A43C5}"/>
+              </a:ext>
+            </a:extLst>
+          </p:cNvPr>
+          <p:cNvSpPr/>
+          <p:nvPr/>
+        </p:nvSpPr>
+        <p:spPr>
+          <a:xfrm>
+            <a:off x="6934200" y="5943600"/>
+            <a:ext cx="1752600" cy="533400"/>
+          </a:xfrm>
+          <a:prstGeom prst="roundRect">
+            <a:avLst/>
+          </a:prstGeom>
+          <a:solidFill>
+            <a:schemeClr val="bg1"/>
+          </a:solidFill>
+          <a:ln>
+            <a:noFill/>
+          </a:ln>
+        </p:spPr>
+        <p:style>
+          <a:lnRef idx="2">
+            <a:schemeClr val="accent1">
+              <a:shade val="50000"/>
+            </a:schemeClr>
+          </a:lnRef>
+          <a:fillRef idx="1">
+            <a:schemeClr val="accent1"/>
+          </a:fillRef>
+          <a:effectRef idx="0">
+            <a:schemeClr val="accent1"/>
+          </a:effectRef>
+          <a:fontRef idx="minor">
+            <a:schemeClr val="lt1"/>
+          </a:fontRef>
+        </p:style>
+        <p:txBody>
+          <a:bodyPr rtlCol="0" anchor="ctr"/>
+          <a:lstStyle/>
+          <a:p>
+            <a:pPr algn="ctr"/>
+            <a:endParaRPr lang="en-US"/>
+          </a:p>
+        </p:txBody>
+      </p:sp>
+      <p:sp>
+        <p:nvSpPr>
+          <p:cNvPr id="2" name="Title 1"/>
+          <p:cNvSpPr>
+            <a:spLocks noGrp="1"/>
+          </p:cNvSpPr>
+          <p:nvPr>
+            <p:ph type="title"/>
+          </p:nvPr>
+        </p:nvSpPr>
+        <p:spPr/>
+        <p:txBody>
+          <a:bodyPr/>
+          <a:lstStyle/>
+          <a:p>
+            <a:pPr>
+              <a:lnSpc>
+                <a:spcPct val="114000"/>
+              </a:lnSpc>
+            </a:pPr>
+            <a:r>
+              <a:rPr lang="en-US" dirty="0"/>
+              <a:t>Question 2</a:t>
+            </a:r>
+          </a:p>
+        </p:txBody>
+      </p:sp>
+      <p:sp>
+        <p:nvSpPr>
+          <p:cNvPr id="5" name="Subtitle 4"/>
+          <p:cNvSpPr>
+            <a:spLocks noGrp="1"/>
+          </p:cNvSpPr>
+          <p:nvPr>
+            <p:ph sz="quarter" idx="13"/>
+          </p:nvPr>
+        </p:nvSpPr>
+        <p:spPr>
+          <a:xfrm>
+            <a:off x="533400" y="1295400"/>
+            <a:ext cx="7772400" cy="4419600"/>
+          </a:xfrm>
+        </p:spPr>
+        <p:txBody>
+          <a:bodyPr/>
+          <a:lstStyle/>
+          <a:p>
+            <a:r>
+              <a:rPr lang="en-US" sz="1800" dirty="0"/>
+              <a:t>Is there anything we must change in our practice? </a:t>
+            </a:r>
+          </a:p>
+          <a:p>
+            <a:pPr lvl="1"/>
+            <a:r>
+              <a:rPr lang="en-US" sz="1800" dirty="0"/>
+              <a:t>One thing would be to use robust methods (Huber-White) more often, but in my view that is a separate topic. Sandwich estimators are used to be more robust to model misspecifications. </a:t>
+            </a:r>
+            <a:r>
+              <a:rPr lang="en-US" sz="1800" u="sng" dirty="0"/>
+              <a:t>If models are correct, this would lose rather than gain efficiency</a:t>
+            </a:r>
+            <a:r>
+              <a:rPr lang="en-US" sz="1800" dirty="0"/>
+              <a:t>. </a:t>
+            </a:r>
+          </a:p>
+          <a:p>
+            <a:pPr lvl="1"/>
+            <a:r>
+              <a:rPr lang="en-US" sz="1800" dirty="0"/>
+              <a:t>Regarding "balance", for sure, it would be great to achieve perfect balance for all potential covariates. Still, this does not come "for free". There are operational costs. From a more statistical perspective, there is a loss of degrees of freedom when estimating the variances within strata. Asymptotically, or for a single stratification factor, this may be irrelevant, but in finite samples, this limits the number of strata that can be used.</a:t>
+            </a:r>
+          </a:p>
+          <a:p>
+            <a:r>
+              <a:rPr lang="en-US" sz="1800" dirty="0"/>
+              <a:t>In summary: Wouldn't the recommendation to do block-randomization and to stratify only for a few covariates with a known strong impact on the response still hold?</a:t>
+            </a:r>
+          </a:p>
+          <a:p>
+            <a:pPr marL="0" indent="0">
+              <a:buNone/>
+            </a:pPr>
+            <a:endParaRPr lang="en-US" sz="1800" dirty="0"/>
+          </a:p>
+        </p:txBody>
+      </p:sp>
+      <p:sp>
+        <p:nvSpPr>
+          <p:cNvPr id="6" name="Slide Number Placeholder 5">
+            <a:extLst>
+              <a:ext uri="{FF2B5EF4-FFF2-40B4-BE49-F238E27FC236}">
+                <a16:creationId xmlns:a16="http://schemas.microsoft.com/office/drawing/2014/main" id="{7251577A-9B81-7847-A401-627CFE183316}"/>
+              </a:ext>
+            </a:extLst>
+          </p:cNvPr>
+          <p:cNvSpPr>
+            <a:spLocks noGrp="1"/>
+          </p:cNvSpPr>
+          <p:nvPr>
+            <p:ph type="sldNum" sz="quarter" idx="4"/>
+          </p:nvPr>
+        </p:nvSpPr>
+        <p:spPr/>
+        <p:txBody>
+          <a:bodyPr/>
+          <a:lstStyle/>
+          <a:p>
+            <a:pPr defTabSz="1149350">
+              <a:tabLst/>
+            </a:pPr>
+            <a:fld id="{0499C290-51E0-41BB-9934-58A3D372F678}" type="slidenum">
+              <a:rPr lang="en-US" smtClean="0"/>
+              <a:pPr defTabSz="1149350">
+                <a:tabLst/>
+              </a:pPr>
+              <a:t>42</a:t>
+            </a:fld>
+            <a:endParaRPr lang="en-US"/>
+          </a:p>
+        </p:txBody>
+      </p:sp>
+    </p:spTree>
+    <p:extLst>
+      <p:ext uri="{BB962C8B-B14F-4D97-AF65-F5344CB8AC3E}">
+        <p14:creationId xmlns:p14="http://schemas.microsoft.com/office/powerpoint/2010/main" val="2911244506"/>
+      </p:ext>
+    </p:extLst>
+  </p:cSld>
+  <p:clrMapOvr>
+    <a:masterClrMapping/>
+  </p:clrMapOvr>
+</p:sld>
+</file>
+
+<file path=ppt/slides/slide43.xml><?xml version="1.0" encoding="utf-8"?>
+<p:sld xmlns:a="http://schemas.openxmlformats.org/drawingml/2006/main" xmlns:r="http://schemas.openxmlformats.org/officeDocument/2006/relationships" xmlns:p="http://schemas.openxmlformats.org/presentationml/2006/main">
+  <p:cSld>
+    <p:spTree>
+      <p:nvGrpSpPr>
+        <p:cNvPr id="1" name=""/>
+        <p:cNvGrpSpPr/>
+        <p:nvPr/>
+      </p:nvGrpSpPr>
+      <p:grpSpPr>
+        <a:xfrm>
+          <a:off x="0" y="0"/>
+          <a:ext cx="0" cy="0"/>
+          <a:chOff x="0" y="0"/>
+          <a:chExt cx="0" cy="0"/>
+        </a:xfrm>
+      </p:grpSpPr>
+      <p:sp>
+        <p:nvSpPr>
+          <p:cNvPr id="8" name="Rounded Rectangle 7">
+            <a:extLst>
+              <a:ext uri="{FF2B5EF4-FFF2-40B4-BE49-F238E27FC236}">
+                <a16:creationId xmlns:a16="http://schemas.microsoft.com/office/drawing/2014/main" id="{0B37AC2C-EED1-0D44-B729-9FDA386A43C5}"/>
+              </a:ext>
+            </a:extLst>
+          </p:cNvPr>
+          <p:cNvSpPr/>
+          <p:nvPr/>
+        </p:nvSpPr>
+        <p:spPr>
+          <a:xfrm>
+            <a:off x="6934200" y="5943600"/>
+            <a:ext cx="1752600" cy="533400"/>
+          </a:xfrm>
+          <a:prstGeom prst="roundRect">
+            <a:avLst/>
+          </a:prstGeom>
+          <a:solidFill>
+            <a:schemeClr val="bg1"/>
+          </a:solidFill>
+          <a:ln>
+            <a:noFill/>
+          </a:ln>
+        </p:spPr>
+        <p:style>
+          <a:lnRef idx="2">
+            <a:schemeClr val="accent1">
+              <a:shade val="50000"/>
+            </a:schemeClr>
+          </a:lnRef>
+          <a:fillRef idx="1">
+            <a:schemeClr val="accent1"/>
+          </a:fillRef>
+          <a:effectRef idx="0">
+            <a:schemeClr val="accent1"/>
+          </a:effectRef>
+          <a:fontRef idx="minor">
+            <a:schemeClr val="lt1"/>
+          </a:fontRef>
+        </p:style>
+        <p:txBody>
+          <a:bodyPr rtlCol="0" anchor="ctr"/>
+          <a:lstStyle/>
+          <a:p>
+            <a:pPr algn="ctr"/>
+            <a:endParaRPr lang="en-US"/>
+          </a:p>
+        </p:txBody>
+      </p:sp>
+      <p:sp>
+        <p:nvSpPr>
+          <p:cNvPr id="2" name="Title 1"/>
+          <p:cNvSpPr>
+            <a:spLocks noGrp="1"/>
+          </p:cNvSpPr>
+          <p:nvPr>
+            <p:ph type="title"/>
+          </p:nvPr>
+        </p:nvSpPr>
+        <p:spPr/>
+        <p:txBody>
+          <a:bodyPr/>
+          <a:lstStyle/>
+          <a:p>
+            <a:pPr>
+              <a:lnSpc>
+                <a:spcPct val="114000"/>
+              </a:lnSpc>
+            </a:pPr>
+            <a:r>
+              <a:rPr lang="en-US" dirty="0"/>
+              <a:t>Question 3</a:t>
+            </a:r>
+          </a:p>
+        </p:txBody>
+      </p:sp>
+      <p:sp>
+        <p:nvSpPr>
+          <p:cNvPr id="5" name="Subtitle 4"/>
+          <p:cNvSpPr>
+            <a:spLocks noGrp="1"/>
+          </p:cNvSpPr>
+          <p:nvPr>
+            <p:ph sz="quarter" idx="13"/>
+          </p:nvPr>
+        </p:nvSpPr>
+        <p:spPr>
+          <a:xfrm>
+            <a:off x="533400" y="1295400"/>
+            <a:ext cx="7772400" cy="4419600"/>
+          </a:xfrm>
+        </p:spPr>
+        <p:txBody>
+          <a:bodyPr/>
+          <a:lstStyle/>
+          <a:p>
+            <a:r>
+              <a:rPr lang="en-US" dirty="0"/>
+              <a:t>Do the results apply to count data?</a:t>
+            </a:r>
+          </a:p>
+          <a:p>
+            <a:r>
+              <a:rPr lang="en-US" dirty="0"/>
+              <a:t>How do I apply the approach to </a:t>
+            </a:r>
+            <a:r>
+              <a:rPr lang="en-US" dirty="0" err="1"/>
+              <a:t>estimand</a:t>
+            </a:r>
+            <a:r>
+              <a:rPr lang="en-US" dirty="0"/>
+              <a:t>? For example, if I use multiple imputation for treatment policy, guess I could still apply the approach to each imputed data, and then combine them with </a:t>
+            </a:r>
+            <a:r>
+              <a:rPr lang="en-US" dirty="0" err="1"/>
+              <a:t>rubin’s</a:t>
+            </a:r>
+            <a:r>
+              <a:rPr lang="en-US" dirty="0"/>
+              <a:t> rule?</a:t>
+            </a:r>
+          </a:p>
+          <a:p>
+            <a:pPr marL="0" indent="0">
+              <a:buNone/>
+            </a:pPr>
+            <a:endParaRPr lang="en-US" sz="1800" dirty="0"/>
+          </a:p>
+        </p:txBody>
+      </p:sp>
+      <p:sp>
+        <p:nvSpPr>
+          <p:cNvPr id="6" name="Slide Number Placeholder 5">
+            <a:extLst>
+              <a:ext uri="{FF2B5EF4-FFF2-40B4-BE49-F238E27FC236}">
+                <a16:creationId xmlns:a16="http://schemas.microsoft.com/office/drawing/2014/main" id="{7251577A-9B81-7847-A401-627CFE183316}"/>
+              </a:ext>
+            </a:extLst>
+          </p:cNvPr>
+          <p:cNvSpPr>
+            <a:spLocks noGrp="1"/>
+          </p:cNvSpPr>
+          <p:nvPr>
+            <p:ph type="sldNum" sz="quarter" idx="4"/>
+          </p:nvPr>
+        </p:nvSpPr>
+        <p:spPr/>
+        <p:txBody>
+          <a:bodyPr/>
+          <a:lstStyle/>
+          <a:p>
+            <a:pPr defTabSz="1149350">
+              <a:tabLst/>
+            </a:pPr>
+            <a:fld id="{0499C290-51E0-41BB-9934-58A3D372F678}" type="slidenum">
+              <a:rPr lang="en-US" smtClean="0"/>
+              <a:pPr defTabSz="1149350">
+                <a:tabLst/>
+              </a:pPr>
+              <a:t>43</a:t>
+            </a:fld>
+            <a:endParaRPr lang="en-US"/>
+          </a:p>
+        </p:txBody>
+      </p:sp>
+    </p:spTree>
+    <p:extLst>
+      <p:ext uri="{BB962C8B-B14F-4D97-AF65-F5344CB8AC3E}">
+        <p14:creationId xmlns:p14="http://schemas.microsoft.com/office/powerpoint/2010/main" val="1952421760"/>
+      </p:ext>
+    </p:extLst>
+  </p:cSld>
+  <p:clrMapOvr>
+    <a:masterClrMapping/>
+  </p:clrMapOvr>
 </p:sld>
 </file>
 
